--- a/doc/slides/day3/session1/Workflows.pptx
+++ b/doc/slides/day3/session1/Workflows.pptx
@@ -5,10 +5,13 @@
     <p:sldMasterId id="2147483648" r:id="rId1"/>
   </p:sldMasterIdLst>
   <p:notesMasterIdLst>
-    <p:notesMasterId r:id="rId3"/>
+    <p:notesMasterId r:id="rId6"/>
   </p:notesMasterIdLst>
   <p:sldIdLst>
     <p:sldId id="256" r:id="rId2"/>
+    <p:sldId id="257" r:id="rId3"/>
+    <p:sldId id="259" r:id="rId4"/>
+    <p:sldId id="258" r:id="rId5"/>
   </p:sldIdLst>
   <p:sldSz cx="9144000" cy="6858000" type="screen4x3"/>
   <p:notesSz cx="6858000" cy="9144000"/>
@@ -192,7 +195,8 @@
           <a:p>
             <a:fld id="{100D1066-83F9-5A48-AEC3-0F045DB8C0BC}" type="datetimeFigureOut">
               <a:rPr lang="en-US" smtClean="0"/>
-              <a:t>8/29/12</a:t>
+              <a:pPr/>
+              <a:t>9/3/12</a:t>
             </a:fld>
             <a:endParaRPr lang="en-US"/>
           </a:p>
@@ -353,6 +357,7 @@
           <a:p>
             <a:fld id="{BD3AE5F8-5BBE-9040-829F-14E86114274F}" type="slidenum">
               <a:rPr lang="en-US" smtClean="0"/>
+              <a:pPr/>
               <a:t>‹#›</a:t>
             </a:fld>
             <a:endParaRPr lang="en-US"/>
@@ -536,6 +541,7 @@
           <a:p>
             <a:fld id="{BD3AE5F8-5BBE-9040-829F-14E86114274F}" type="slidenum">
               <a:rPr lang="en-US" smtClean="0"/>
+              <a:pPr/>
               <a:t>1</a:t>
             </a:fld>
             <a:endParaRPr lang="en-US"/>
@@ -732,7 +738,7 @@
             <a:fld id="{52237D32-0FFC-5843-A066-8EC42D88DFF1}" type="datetimeFigureOut">
               <a:rPr lang="en-US" smtClean="0"/>
               <a:pPr/>
-              <a:t>8/29/12</a:t>
+              <a:t>9/3/12</a:t>
             </a:fld>
             <a:endParaRPr lang="en-US"/>
           </a:p>
@@ -899,7 +905,7 @@
             <a:fld id="{52237D32-0FFC-5843-A066-8EC42D88DFF1}" type="datetimeFigureOut">
               <a:rPr lang="en-US" smtClean="0"/>
               <a:pPr/>
-              <a:t>8/29/12</a:t>
+              <a:t>9/3/12</a:t>
             </a:fld>
             <a:endParaRPr lang="en-US"/>
           </a:p>
@@ -1076,7 +1082,7 @@
             <a:fld id="{52237D32-0FFC-5843-A066-8EC42D88DFF1}" type="datetimeFigureOut">
               <a:rPr lang="en-US" smtClean="0"/>
               <a:pPr/>
-              <a:t>8/29/12</a:t>
+              <a:t>9/3/12</a:t>
             </a:fld>
             <a:endParaRPr lang="en-US"/>
           </a:p>
@@ -1243,7 +1249,7 @@
             <a:fld id="{52237D32-0FFC-5843-A066-8EC42D88DFF1}" type="datetimeFigureOut">
               <a:rPr lang="en-US" smtClean="0"/>
               <a:pPr/>
-              <a:t>8/29/12</a:t>
+              <a:t>9/3/12</a:t>
             </a:fld>
             <a:endParaRPr lang="en-US"/>
           </a:p>
@@ -1486,7 +1492,7 @@
             <a:fld id="{52237D32-0FFC-5843-A066-8EC42D88DFF1}" type="datetimeFigureOut">
               <a:rPr lang="en-US" smtClean="0"/>
               <a:pPr/>
-              <a:t>8/29/12</a:t>
+              <a:t>9/3/12</a:t>
             </a:fld>
             <a:endParaRPr lang="en-US"/>
           </a:p>
@@ -1771,7 +1777,7 @@
             <a:fld id="{52237D32-0FFC-5843-A066-8EC42D88DFF1}" type="datetimeFigureOut">
               <a:rPr lang="en-US" smtClean="0"/>
               <a:pPr/>
-              <a:t>8/29/12</a:t>
+              <a:t>9/3/12</a:t>
             </a:fld>
             <a:endParaRPr lang="en-US"/>
           </a:p>
@@ -2190,7 +2196,7 @@
             <a:fld id="{52237D32-0FFC-5843-A066-8EC42D88DFF1}" type="datetimeFigureOut">
               <a:rPr lang="en-US" smtClean="0"/>
               <a:pPr/>
-              <a:t>8/29/12</a:t>
+              <a:t>9/3/12</a:t>
             </a:fld>
             <a:endParaRPr lang="en-US"/>
           </a:p>
@@ -2305,7 +2311,7 @@
             <a:fld id="{52237D32-0FFC-5843-A066-8EC42D88DFF1}" type="datetimeFigureOut">
               <a:rPr lang="en-US" smtClean="0"/>
               <a:pPr/>
-              <a:t>8/29/12</a:t>
+              <a:t>9/3/12</a:t>
             </a:fld>
             <a:endParaRPr lang="en-US"/>
           </a:p>
@@ -2397,7 +2403,7 @@
             <a:fld id="{52237D32-0FFC-5843-A066-8EC42D88DFF1}" type="datetimeFigureOut">
               <a:rPr lang="en-US" smtClean="0"/>
               <a:pPr/>
-              <a:t>8/29/12</a:t>
+              <a:t>9/3/12</a:t>
             </a:fld>
             <a:endParaRPr lang="en-US"/>
           </a:p>
@@ -2671,7 +2677,7 @@
             <a:fld id="{52237D32-0FFC-5843-A066-8EC42D88DFF1}" type="datetimeFigureOut">
               <a:rPr lang="en-US" smtClean="0"/>
               <a:pPr/>
-              <a:t>8/29/12</a:t>
+              <a:t>9/3/12</a:t>
             </a:fld>
             <a:endParaRPr lang="en-US"/>
           </a:p>
@@ -2921,7 +2927,7 @@
             <a:fld id="{52237D32-0FFC-5843-A066-8EC42D88DFF1}" type="datetimeFigureOut">
               <a:rPr lang="en-US" smtClean="0"/>
               <a:pPr/>
-              <a:t>8/29/12</a:t>
+              <a:t>9/3/12</a:t>
             </a:fld>
             <a:endParaRPr lang="en-US"/>
           </a:p>
@@ -3131,7 +3137,7 @@
             <a:fld id="{52237D32-0FFC-5843-A066-8EC42D88DFF1}" type="datetimeFigureOut">
               <a:rPr lang="en-US" smtClean="0"/>
               <a:pPr/>
-              <a:t>8/29/12</a:t>
+              <a:t>9/3/12</a:t>
             </a:fld>
             <a:endParaRPr lang="en-US"/>
           </a:p>
@@ -3545,6 +3551,207 @@
               <a:t>13 September 2012, 9.30-10.30</a:t>
             </a:r>
             <a:endParaRPr lang="en-US" dirty="0"/>
+          </a:p>
+        </p:txBody>
+      </p:sp>
+    </p:spTree>
+  </p:cSld>
+  <p:clrMapOvr>
+    <a:masterClrMapping/>
+  </p:clrMapOvr>
+</p:sld>
+</file>
+
+<file path=ppt/slides/slide2.xml><?xml version="1.0" encoding="utf-8"?>
+<p:sld xmlns:a="http://schemas.openxmlformats.org/drawingml/2006/main" xmlns:r="http://schemas.openxmlformats.org/officeDocument/2006/relationships" xmlns:mc="http://schemas.openxmlformats.org/markup-compatibility/2006" xmlns:mv="urn:schemas-microsoft-com:mac:vml" xmlns:p="http://schemas.openxmlformats.org/presentationml/2006/main" mc:Ignorable="mv" mc:PreserveAttributes="mv:*">
+  <p:cSld>
+    <p:spTree>
+      <p:nvGrpSpPr>
+        <p:cNvPr id="1" name=""/>
+        <p:cNvGrpSpPr/>
+        <p:nvPr/>
+      </p:nvGrpSpPr>
+      <p:grpSpPr>
+        <a:xfrm>
+          <a:off x="0" y="0"/>
+          <a:ext cx="0" cy="0"/>
+          <a:chOff x="0" y="0"/>
+          <a:chExt cx="0" cy="0"/>
+        </a:xfrm>
+      </p:grpSpPr>
+      <p:sp>
+        <p:nvSpPr>
+          <p:cNvPr id="2" name="Title 1"/>
+          <p:cNvSpPr>
+            <a:spLocks noGrp="1"/>
+          </p:cNvSpPr>
+          <p:nvPr>
+            <p:ph type="title"/>
+          </p:nvPr>
+        </p:nvSpPr>
+        <p:spPr/>
+        <p:txBody>
+          <a:bodyPr/>
+          <a:lstStyle/>
+          <a:p>
+            <a:r>
+              <a:rPr lang="en-US" dirty="0" smtClean="0"/>
+              <a:t>What is a workflow?</a:t>
+            </a:r>
+            <a:endParaRPr lang="en-US" dirty="0"/>
+          </a:p>
+        </p:txBody>
+      </p:sp>
+      <p:sp>
+        <p:nvSpPr>
+          <p:cNvPr id="3" name="Content Placeholder 2"/>
+          <p:cNvSpPr>
+            <a:spLocks noGrp="1"/>
+          </p:cNvSpPr>
+          <p:nvPr>
+            <p:ph idx="1"/>
+          </p:nvPr>
+        </p:nvSpPr>
+        <p:spPr/>
+        <p:txBody>
+          <a:bodyPr/>
+          <a:lstStyle/>
+          <a:p>
+            <a:endParaRPr lang="en-US"/>
+          </a:p>
+        </p:txBody>
+      </p:sp>
+    </p:spTree>
+  </p:cSld>
+  <p:clrMapOvr>
+    <a:masterClrMapping/>
+  </p:clrMapOvr>
+</p:sld>
+</file>
+
+<file path=ppt/slides/slide3.xml><?xml version="1.0" encoding="utf-8"?>
+<p:sld xmlns:a="http://schemas.openxmlformats.org/drawingml/2006/main" xmlns:r="http://schemas.openxmlformats.org/officeDocument/2006/relationships" xmlns:mc="http://schemas.openxmlformats.org/markup-compatibility/2006" xmlns:mv="urn:schemas-microsoft-com:mac:vml" xmlns:p="http://schemas.openxmlformats.org/presentationml/2006/main" mc:Ignorable="mv" mc:PreserveAttributes="mv:*">
+  <p:cSld>
+    <p:spTree>
+      <p:nvGrpSpPr>
+        <p:cNvPr id="1" name=""/>
+        <p:cNvGrpSpPr/>
+        <p:nvPr/>
+      </p:nvGrpSpPr>
+      <p:grpSpPr>
+        <a:xfrm>
+          <a:off x="0" y="0"/>
+          <a:ext cx="0" cy="0"/>
+          <a:chOff x="0" y="0"/>
+          <a:chExt cx="0" cy="0"/>
+        </a:xfrm>
+      </p:grpSpPr>
+      <p:sp>
+        <p:nvSpPr>
+          <p:cNvPr id="2" name="Title 1"/>
+          <p:cNvSpPr>
+            <a:spLocks noGrp="1"/>
+          </p:cNvSpPr>
+          <p:nvPr>
+            <p:ph type="title"/>
+          </p:nvPr>
+        </p:nvSpPr>
+        <p:spPr/>
+        <p:txBody>
+          <a:bodyPr/>
+          <a:lstStyle/>
+          <a:p>
+            <a:r>
+              <a:rPr lang="en-US" dirty="0" smtClean="0"/>
+              <a:t>Example: plasmodium workflow</a:t>
+            </a:r>
+            <a:endParaRPr lang="en-US" dirty="0"/>
+          </a:p>
+        </p:txBody>
+      </p:sp>
+      <p:sp>
+        <p:nvSpPr>
+          <p:cNvPr id="3" name="Content Placeholder 2"/>
+          <p:cNvSpPr>
+            <a:spLocks noGrp="1"/>
+          </p:cNvSpPr>
+          <p:nvPr>
+            <p:ph idx="1"/>
+          </p:nvPr>
+        </p:nvSpPr>
+        <p:spPr/>
+        <p:txBody>
+          <a:bodyPr/>
+          <a:lstStyle/>
+          <a:p>
+            <a:endParaRPr lang="en-US"/>
+          </a:p>
+        </p:txBody>
+      </p:sp>
+    </p:spTree>
+  </p:cSld>
+  <p:clrMapOvr>
+    <a:masterClrMapping/>
+  </p:clrMapOvr>
+</p:sld>
+</file>
+
+<file path=ppt/slides/slide4.xml><?xml version="1.0" encoding="utf-8"?>
+<p:sld xmlns:a="http://schemas.openxmlformats.org/drawingml/2006/main" xmlns:r="http://schemas.openxmlformats.org/officeDocument/2006/relationships" xmlns:mc="http://schemas.openxmlformats.org/markup-compatibility/2006" xmlns:mv="urn:schemas-microsoft-com:mac:vml" xmlns:p="http://schemas.openxmlformats.org/presentationml/2006/main" mc:Ignorable="mv" mc:PreserveAttributes="mv:*">
+  <p:cSld>
+    <p:spTree>
+      <p:nvGrpSpPr>
+        <p:cNvPr id="1" name=""/>
+        <p:cNvGrpSpPr/>
+        <p:nvPr/>
+      </p:nvGrpSpPr>
+      <p:grpSpPr>
+        <a:xfrm>
+          <a:off x="0" y="0"/>
+          <a:ext cx="0" cy="0"/>
+          <a:chOff x="0" y="0"/>
+          <a:chExt cx="0" cy="0"/>
+        </a:xfrm>
+      </p:grpSpPr>
+      <p:sp>
+        <p:nvSpPr>
+          <p:cNvPr id="2" name="Title 1"/>
+          <p:cNvSpPr>
+            <a:spLocks noGrp="1"/>
+          </p:cNvSpPr>
+          <p:nvPr>
+            <p:ph type="title"/>
+          </p:nvPr>
+        </p:nvSpPr>
+        <p:spPr/>
+        <p:txBody>
+          <a:bodyPr/>
+          <a:lstStyle/>
+          <a:p>
+            <a:r>
+              <a:rPr lang="en-US" dirty="0" smtClean="0"/>
+              <a:t>Exercise: a bash workflow</a:t>
+            </a:r>
+            <a:endParaRPr lang="en-US" dirty="0"/>
+          </a:p>
+        </p:txBody>
+      </p:sp>
+      <p:sp>
+        <p:nvSpPr>
+          <p:cNvPr id="3" name="Content Placeholder 2"/>
+          <p:cNvSpPr>
+            <a:spLocks noGrp="1"/>
+          </p:cNvSpPr>
+          <p:nvPr>
+            <p:ph idx="1"/>
+          </p:nvPr>
+        </p:nvSpPr>
+        <p:spPr/>
+        <p:txBody>
+          <a:bodyPr/>
+          <a:lstStyle/>
+          <a:p>
+            <a:endParaRPr lang="en-US"/>
           </a:p>
         </p:txBody>
       </p:sp>

--- a/doc/slides/day3/session1/Workflows.pptx
+++ b/doc/slides/day3/session1/Workflows.pptx
@@ -5,13 +5,14 @@
     <p:sldMasterId id="2147483648" r:id="rId1"/>
   </p:sldMasterIdLst>
   <p:notesMasterIdLst>
-    <p:notesMasterId r:id="rId6"/>
+    <p:notesMasterId r:id="rId7"/>
   </p:notesMasterIdLst>
   <p:sldIdLst>
     <p:sldId id="256" r:id="rId2"/>
     <p:sldId id="257" r:id="rId3"/>
-    <p:sldId id="259" r:id="rId4"/>
-    <p:sldId id="258" r:id="rId5"/>
+    <p:sldId id="260" r:id="rId4"/>
+    <p:sldId id="261" r:id="rId5"/>
+    <p:sldId id="259" r:id="rId6"/>
   </p:sldIdLst>
   <p:sldSz cx="9144000" cy="6858000" type="screen4x3"/>
   <p:notesSz cx="6858000" cy="9144000"/>
@@ -196,7 +197,7 @@
             <a:fld id="{100D1066-83F9-5A48-AEC3-0F045DB8C0BC}" type="datetimeFigureOut">
               <a:rPr lang="en-US" smtClean="0"/>
               <a:pPr/>
-              <a:t>9/3/12</a:t>
+              <a:t>9/7/12</a:t>
             </a:fld>
             <a:endParaRPr lang="en-US"/>
           </a:p>
@@ -556,6 +557,96 @@
 </p:notes>
 </file>
 
+<file path=ppt/notesSlides/notesSlide2.xml><?xml version="1.0" encoding="utf-8"?>
+<p:notes xmlns:a="http://schemas.openxmlformats.org/drawingml/2006/main" xmlns:r="http://schemas.openxmlformats.org/officeDocument/2006/relationships" xmlns:mc="http://schemas.openxmlformats.org/markup-compatibility/2006" xmlns:mv="urn:schemas-microsoft-com:mac:vml" xmlns:p="http://schemas.openxmlformats.org/presentationml/2006/main" mc:Ignorable="mv" mc:PreserveAttributes="mv:*">
+  <p:cSld>
+    <p:spTree>
+      <p:nvGrpSpPr>
+        <p:cNvPr id="1" name=""/>
+        <p:cNvGrpSpPr/>
+        <p:nvPr/>
+      </p:nvGrpSpPr>
+      <p:grpSpPr>
+        <a:xfrm>
+          <a:off x="0" y="0"/>
+          <a:ext cx="0" cy="0"/>
+          <a:chOff x="0" y="0"/>
+          <a:chExt cx="0" cy="0"/>
+        </a:xfrm>
+      </p:grpSpPr>
+      <p:sp>
+        <p:nvSpPr>
+          <p:cNvPr id="2" name="Slide Image Placeholder 1"/>
+          <p:cNvSpPr>
+            <a:spLocks noGrp="1" noRot="1" noChangeAspect="1"/>
+          </p:cNvSpPr>
+          <p:nvPr>
+            <p:ph type="sldImg"/>
+          </p:nvPr>
+        </p:nvSpPr>
+        <p:spPr/>
+      </p:sp>
+      <p:sp>
+        <p:nvSpPr>
+          <p:cNvPr id="3" name="Notes Placeholder 2"/>
+          <p:cNvSpPr>
+            <a:spLocks noGrp="1"/>
+          </p:cNvSpPr>
+          <p:nvPr>
+            <p:ph type="body" idx="1"/>
+          </p:nvPr>
+        </p:nvSpPr>
+        <p:spPr/>
+        <p:txBody>
+          <a:bodyPr>
+            <a:normAutofit/>
+          </a:bodyPr>
+          <a:lstStyle/>
+          <a:p>
+            <a:r>
+              <a:rPr lang="en-US" dirty="0" smtClean="0"/>
+              <a:t>Fancy wine term.  Hopefully, you will not ever find yourself in the unfortunate</a:t>
+            </a:r>
+            <a:r>
+              <a:rPr lang="en-US" baseline="0" dirty="0" smtClean="0"/>
+              <a:t> position of being accused of falsifying/doctoring your data.  Using this strategy can make it easier for auditors to clear your name.  Although a committed charlatan can still abuse this system, it is much more difficult.</a:t>
+            </a:r>
+            <a:endParaRPr lang="en-US" dirty="0"/>
+          </a:p>
+        </p:txBody>
+      </p:sp>
+      <p:sp>
+        <p:nvSpPr>
+          <p:cNvPr id="4" name="Slide Number Placeholder 3"/>
+          <p:cNvSpPr>
+            <a:spLocks noGrp="1"/>
+          </p:cNvSpPr>
+          <p:nvPr>
+            <p:ph type="sldNum" sz="quarter" idx="10"/>
+          </p:nvPr>
+        </p:nvSpPr>
+        <p:spPr/>
+        <p:txBody>
+          <a:bodyPr/>
+          <a:lstStyle/>
+          <a:p>
+            <a:fld id="{5C6AEE8C-7E75-B34B-94B0-1167AF240711}" type="slidenum">
+              <a:rPr lang="en-US" smtClean="0"/>
+              <a:pPr/>
+              <a:t>3</a:t>
+            </a:fld>
+            <a:endParaRPr lang="en-US"/>
+          </a:p>
+        </p:txBody>
+      </p:sp>
+    </p:spTree>
+  </p:cSld>
+  <p:clrMapOvr>
+    <a:masterClrMapping/>
+  </p:clrMapOvr>
+</p:notes>
+</file>
+
 <file path=ppt/slideLayouts/slideLayout1.xml><?xml version="1.0" encoding="utf-8"?>
 <p:sldLayout xmlns:a="http://schemas.openxmlformats.org/drawingml/2006/main" xmlns:r="http://schemas.openxmlformats.org/officeDocument/2006/relationships" xmlns:mc="http://schemas.openxmlformats.org/markup-compatibility/2006" xmlns:mv="urn:schemas-microsoft-com:mac:vml" xmlns:p="http://schemas.openxmlformats.org/presentationml/2006/main" mc:Ignorable="mv" mc:PreserveAttributes="mv:*" type="title" preserve="1">
   <p:cSld name="Title Slide">
@@ -738,7 +829,7 @@
             <a:fld id="{52237D32-0FFC-5843-A066-8EC42D88DFF1}" type="datetimeFigureOut">
               <a:rPr lang="en-US" smtClean="0"/>
               <a:pPr/>
-              <a:t>9/3/12</a:t>
+              <a:t>9/7/12</a:t>
             </a:fld>
             <a:endParaRPr lang="en-US"/>
           </a:p>
@@ -905,7 +996,7 @@
             <a:fld id="{52237D32-0FFC-5843-A066-8EC42D88DFF1}" type="datetimeFigureOut">
               <a:rPr lang="en-US" smtClean="0"/>
               <a:pPr/>
-              <a:t>9/3/12</a:t>
+              <a:t>9/7/12</a:t>
             </a:fld>
             <a:endParaRPr lang="en-US"/>
           </a:p>
@@ -1082,7 +1173,7 @@
             <a:fld id="{52237D32-0FFC-5843-A066-8EC42D88DFF1}" type="datetimeFigureOut">
               <a:rPr lang="en-US" smtClean="0"/>
               <a:pPr/>
-              <a:t>9/3/12</a:t>
+              <a:t>9/7/12</a:t>
             </a:fld>
             <a:endParaRPr lang="en-US"/>
           </a:p>
@@ -1249,7 +1340,7 @@
             <a:fld id="{52237D32-0FFC-5843-A066-8EC42D88DFF1}" type="datetimeFigureOut">
               <a:rPr lang="en-US" smtClean="0"/>
               <a:pPr/>
-              <a:t>9/3/12</a:t>
+              <a:t>9/7/12</a:t>
             </a:fld>
             <a:endParaRPr lang="en-US"/>
           </a:p>
@@ -1492,7 +1583,7 @@
             <a:fld id="{52237D32-0FFC-5843-A066-8EC42D88DFF1}" type="datetimeFigureOut">
               <a:rPr lang="en-US" smtClean="0"/>
               <a:pPr/>
-              <a:t>9/3/12</a:t>
+              <a:t>9/7/12</a:t>
             </a:fld>
             <a:endParaRPr lang="en-US"/>
           </a:p>
@@ -1777,7 +1868,7 @@
             <a:fld id="{52237D32-0FFC-5843-A066-8EC42D88DFF1}" type="datetimeFigureOut">
               <a:rPr lang="en-US" smtClean="0"/>
               <a:pPr/>
-              <a:t>9/3/12</a:t>
+              <a:t>9/7/12</a:t>
             </a:fld>
             <a:endParaRPr lang="en-US"/>
           </a:p>
@@ -2196,7 +2287,7 @@
             <a:fld id="{52237D32-0FFC-5843-A066-8EC42D88DFF1}" type="datetimeFigureOut">
               <a:rPr lang="en-US" smtClean="0"/>
               <a:pPr/>
-              <a:t>9/3/12</a:t>
+              <a:t>9/7/12</a:t>
             </a:fld>
             <a:endParaRPr lang="en-US"/>
           </a:p>
@@ -2311,7 +2402,7 @@
             <a:fld id="{52237D32-0FFC-5843-A066-8EC42D88DFF1}" type="datetimeFigureOut">
               <a:rPr lang="en-US" smtClean="0"/>
               <a:pPr/>
-              <a:t>9/3/12</a:t>
+              <a:t>9/7/12</a:t>
             </a:fld>
             <a:endParaRPr lang="en-US"/>
           </a:p>
@@ -2403,7 +2494,7 @@
             <a:fld id="{52237D32-0FFC-5843-A066-8EC42D88DFF1}" type="datetimeFigureOut">
               <a:rPr lang="en-US" smtClean="0"/>
               <a:pPr/>
-              <a:t>9/3/12</a:t>
+              <a:t>9/7/12</a:t>
             </a:fld>
             <a:endParaRPr lang="en-US"/>
           </a:p>
@@ -2677,7 +2768,7 @@
             <a:fld id="{52237D32-0FFC-5843-A066-8EC42D88DFF1}" type="datetimeFigureOut">
               <a:rPr lang="en-US" smtClean="0"/>
               <a:pPr/>
-              <a:t>9/3/12</a:t>
+              <a:t>9/7/12</a:t>
             </a:fld>
             <a:endParaRPr lang="en-US"/>
           </a:p>
@@ -2927,7 +3018,7 @@
             <a:fld id="{52237D32-0FFC-5843-A066-8EC42D88DFF1}" type="datetimeFigureOut">
               <a:rPr lang="en-US" smtClean="0"/>
               <a:pPr/>
-              <a:t>9/3/12</a:t>
+              <a:t>9/7/12</a:t>
             </a:fld>
             <a:endParaRPr lang="en-US"/>
           </a:p>
@@ -3137,7 +3228,7 @@
             <a:fld id="{52237D32-0FFC-5843-A066-8EC42D88DFF1}" type="datetimeFigureOut">
               <a:rPr lang="en-US" smtClean="0"/>
               <a:pPr/>
-              <a:t>9/3/12</a:t>
+              <a:t>9/7/12</a:t>
             </a:fld>
             <a:endParaRPr lang="en-US"/>
           </a:p>
@@ -3658,12 +3749,14 @@
         </p:nvSpPr>
         <p:spPr/>
         <p:txBody>
-          <a:bodyPr/>
+          <a:bodyPr>
+            <a:normAutofit fontScale="90000"/>
+          </a:bodyPr>
           <a:lstStyle/>
           <a:p>
             <a:r>
               <a:rPr lang="en-US" dirty="0" smtClean="0"/>
-              <a:t>Example: plasmodium workflow</a:t>
+              <a:t>Capturing and versioning Data and Analysis Meta Data</a:t>
             </a:r>
             <a:endParaRPr lang="en-US" dirty="0"/>
           </a:p>
@@ -3681,10 +3774,85 @@
         </p:nvSpPr>
         <p:spPr/>
         <p:txBody>
-          <a:bodyPr/>
-          <a:lstStyle/>
-          <a:p>
-            <a:endParaRPr lang="en-US"/>
+          <a:bodyPr>
+            <a:normAutofit fontScale="55000" lnSpcReduction="20000"/>
+          </a:bodyPr>
+          <a:lstStyle/>
+          <a:p>
+            <a:pPr>
+              <a:buNone/>
+            </a:pPr>
+            <a:r>
+              <a:rPr lang="en-US" dirty="0" smtClean="0"/>
+              <a:t>Big push is to capture Research Data Provenance</a:t>
+            </a:r>
+          </a:p>
+          <a:p>
+            <a:r>
+              <a:rPr lang="en-US" dirty="0" smtClean="0"/>
+              <a:t>Process of marshalling data from source (internal or external) through analysis pipeline should minimize human interaction/manipulation</a:t>
+            </a:r>
+          </a:p>
+          <a:p>
+            <a:r>
+              <a:rPr lang="en-US" dirty="0" smtClean="0"/>
+              <a:t>Automated pipelines should maximize capture of information about data files, and analysis scripts/programs:</a:t>
+            </a:r>
+          </a:p>
+          <a:p>
+            <a:pPr lvl="1"/>
+            <a:r>
+              <a:rPr lang="en-US" dirty="0" err="1" smtClean="0"/>
+              <a:t>hashsums</a:t>
+            </a:r>
+            <a:r>
+              <a:rPr lang="en-US" dirty="0" smtClean="0"/>
+              <a:t> of data files before and after processing (md5, sha1)</a:t>
+            </a:r>
+          </a:p>
+          <a:p>
+            <a:pPr lvl="1"/>
+            <a:r>
+              <a:rPr lang="en-US" dirty="0" smtClean="0"/>
+              <a:t>paths (which), and versions* of scripts/programs before they are called</a:t>
+            </a:r>
+          </a:p>
+          <a:p>
+            <a:pPr lvl="1"/>
+            <a:r>
+              <a:rPr lang="en-US" dirty="0" err="1" smtClean="0"/>
+              <a:t>hashsums</a:t>
+            </a:r>
+            <a:r>
+              <a:rPr lang="en-US" dirty="0" smtClean="0"/>
+              <a:t> of scripts/programs before they are called (especially if script/program does not supply a version)</a:t>
+            </a:r>
+          </a:p>
+          <a:p>
+            <a:pPr lvl="1"/>
+            <a:r>
+              <a:rPr lang="en-US" dirty="0" smtClean="0"/>
+              <a:t>date/time, start time and end time, and possibly runtime, of each script/program run</a:t>
+            </a:r>
+          </a:p>
+          <a:p>
+            <a:r>
+              <a:rPr lang="en-US" dirty="0" smtClean="0"/>
+              <a:t>Project should include all of this information, from beginning to end, in the RCS so that sharing a repository with the data and scripts ensures that this information is also included</a:t>
+            </a:r>
+          </a:p>
+          <a:p>
+            <a:endParaRPr lang="en-US" dirty="0" smtClean="0"/>
+          </a:p>
+          <a:p>
+            <a:pPr>
+              <a:buNone/>
+            </a:pPr>
+            <a:r>
+              <a:rPr lang="en-US" i="1" dirty="0" smtClean="0"/>
+              <a:t>* many scripts/programs do not print version information.  You should get in the habit of making your own scripts/programs able to print a version to STDOUT and exit with a nonzero exit status upon request</a:t>
+            </a:r>
+            <a:endParaRPr lang="en-US" i="1" dirty="0"/>
           </a:p>
         </p:txBody>
       </p:sp>
@@ -3730,7 +3898,7 @@
           <a:p>
             <a:r>
               <a:rPr lang="en-US" dirty="0" smtClean="0"/>
-              <a:t>Exercise: a bash workflow</a:t>
+              <a:t>Modification to Project Structure	</a:t>
             </a:r>
             <a:endParaRPr lang="en-US" dirty="0"/>
           </a:p>
@@ -3748,10 +3916,282 @@
         </p:nvSpPr>
         <p:spPr/>
         <p:txBody>
-          <a:bodyPr/>
-          <a:lstStyle/>
-          <a:p>
-            <a:endParaRPr lang="en-US"/>
+          <a:bodyPr>
+            <a:normAutofit fontScale="55000" lnSpcReduction="20000"/>
+          </a:bodyPr>
+          <a:lstStyle/>
+          <a:p>
+            <a:r>
+              <a:rPr lang="en-US" dirty="0" smtClean="0"/>
+              <a:t>add ‘log’ directory to top level directory (docs, data, </a:t>
+            </a:r>
+            <a:r>
+              <a:rPr lang="en-US" dirty="0" err="1" smtClean="0"/>
+              <a:t>src</a:t>
+            </a:r>
+            <a:r>
+              <a:rPr lang="en-US" dirty="0" smtClean="0"/>
+              <a:t>, bin, results, and now log)</a:t>
+            </a:r>
+          </a:p>
+          <a:p>
+            <a:r>
+              <a:rPr lang="en-US" dirty="0" smtClean="0"/>
+              <a:t>Modify analysis pipeline scripts</a:t>
+            </a:r>
+          </a:p>
+          <a:p>
+            <a:pPr lvl="1"/>
+            <a:r>
+              <a:rPr lang="en-US" dirty="0" smtClean="0"/>
+              <a:t>redirect STDOUT and STDERR to files in log directory named for the script, and the run date-time (or in a date-time subdirectory)</a:t>
+            </a:r>
+          </a:p>
+          <a:p>
+            <a:pPr lvl="1"/>
+            <a:r>
+              <a:rPr lang="en-US" dirty="0" smtClean="0"/>
+              <a:t>print date, start time, end time, and even  total run time to STDOUT log </a:t>
+            </a:r>
+          </a:p>
+          <a:p>
+            <a:pPr lvl="1"/>
+            <a:r>
+              <a:rPr lang="en-US" dirty="0" smtClean="0"/>
+              <a:t>capture </a:t>
+            </a:r>
+            <a:r>
+              <a:rPr lang="en-US" dirty="0" err="1" smtClean="0"/>
+              <a:t>hashsum</a:t>
+            </a:r>
+            <a:r>
+              <a:rPr lang="en-US" dirty="0" smtClean="0"/>
+              <a:t> and version of themselves in STDOUT log</a:t>
+            </a:r>
+          </a:p>
+          <a:p>
+            <a:pPr lvl="1"/>
+            <a:r>
+              <a:rPr lang="en-US" dirty="0" smtClean="0"/>
+              <a:t>capture </a:t>
+            </a:r>
+            <a:r>
+              <a:rPr lang="en-US" dirty="0" err="1" smtClean="0"/>
+              <a:t>hashsum</a:t>
+            </a:r>
+            <a:r>
+              <a:rPr lang="en-US" dirty="0" smtClean="0"/>
+              <a:t> of data file before* and after* any analysis is run on that data file in STDOUT log</a:t>
+            </a:r>
+          </a:p>
+          <a:p>
+            <a:pPr lvl="1"/>
+            <a:r>
+              <a:rPr lang="en-US" dirty="0" smtClean="0"/>
+              <a:t>capture </a:t>
+            </a:r>
+            <a:r>
+              <a:rPr lang="en-US" dirty="0" err="1" smtClean="0"/>
+              <a:t>hashsums</a:t>
+            </a:r>
+            <a:r>
+              <a:rPr lang="en-US" dirty="0" smtClean="0"/>
+              <a:t> of intermediate data files*, even if the files are to be deleted, in STDOUT log</a:t>
+            </a:r>
+          </a:p>
+          <a:p>
+            <a:pPr lvl="1"/>
+            <a:r>
+              <a:rPr lang="en-US" dirty="0" smtClean="0"/>
+              <a:t>log deletions *of any data files in STDOUT log</a:t>
+            </a:r>
+          </a:p>
+          <a:p>
+            <a:pPr lvl="1"/>
+            <a:r>
+              <a:rPr lang="en-US" dirty="0" smtClean="0"/>
+              <a:t>capture </a:t>
+            </a:r>
+            <a:r>
+              <a:rPr lang="en-US" dirty="0" err="1" smtClean="0"/>
+              <a:t>hashsums</a:t>
+            </a:r>
+            <a:r>
+              <a:rPr lang="en-US" dirty="0" smtClean="0"/>
+              <a:t> and versions of any other script/program executed by the script before executing the script in STDOUT log</a:t>
+            </a:r>
+          </a:p>
+          <a:p>
+            <a:pPr lvl="1"/>
+            <a:r>
+              <a:rPr lang="en-US" dirty="0" smtClean="0"/>
+              <a:t>capture </a:t>
+            </a:r>
+            <a:r>
+              <a:rPr lang="en-US" dirty="0" err="1" smtClean="0"/>
+              <a:t>hashsums</a:t>
+            </a:r>
+            <a:r>
+              <a:rPr lang="en-US" dirty="0" smtClean="0"/>
+              <a:t> of all result files immediately after they are produced in STDOUT log</a:t>
+            </a:r>
+          </a:p>
+          <a:p>
+            <a:pPr lvl="1"/>
+            <a:r>
+              <a:rPr lang="en-US" dirty="0" smtClean="0"/>
+              <a:t>close and </a:t>
+            </a:r>
+            <a:r>
+              <a:rPr lang="en-US" dirty="0" err="1" smtClean="0"/>
+              <a:t>git</a:t>
+            </a:r>
+            <a:r>
+              <a:rPr lang="en-US" dirty="0" smtClean="0"/>
+              <a:t> add/commit all new files, all deleted files, and the STDOUT log file immediately before exiting</a:t>
+            </a:r>
+          </a:p>
+          <a:p>
+            <a:pPr lvl="1"/>
+            <a:r>
+              <a:rPr lang="en-US" dirty="0" smtClean="0"/>
+              <a:t>alternatively, or in addition, use the STDOUT log file as the </a:t>
+            </a:r>
+            <a:r>
+              <a:rPr lang="en-US" dirty="0" err="1" smtClean="0"/>
+              <a:t>git</a:t>
+            </a:r>
+            <a:r>
+              <a:rPr lang="en-US" dirty="0" smtClean="0"/>
+              <a:t> commit message for all new and deleted files (</a:t>
+            </a:r>
+            <a:r>
+              <a:rPr lang="en-US" dirty="0" err="1" smtClean="0"/>
+              <a:t>git</a:t>
+            </a:r>
+            <a:r>
+              <a:rPr lang="en-US" dirty="0" smtClean="0"/>
+              <a:t> commit –</a:t>
+            </a:r>
+            <a:r>
+              <a:rPr lang="en-US" dirty="0" err="1" smtClean="0"/>
+              <a:t>f</a:t>
+            </a:r>
+            <a:r>
+              <a:rPr lang="en-US" dirty="0" smtClean="0"/>
+              <a:t> log/090212/foo.log path/to/files)</a:t>
+            </a:r>
+          </a:p>
+          <a:p>
+            <a:endParaRPr lang="en-US" dirty="0" smtClean="0"/>
+          </a:p>
+          <a:p>
+            <a:pPr>
+              <a:buNone/>
+            </a:pPr>
+            <a:r>
+              <a:rPr lang="en-US" dirty="0" smtClean="0"/>
+              <a:t>* these activities make up the data footprint of an analysis</a:t>
+            </a:r>
+            <a:endParaRPr lang="en-US" dirty="0"/>
+          </a:p>
+        </p:txBody>
+      </p:sp>
+    </p:spTree>
+  </p:cSld>
+  <p:clrMapOvr>
+    <a:masterClrMapping/>
+  </p:clrMapOvr>
+</p:sld>
+</file>
+
+<file path=ppt/slides/slide5.xml><?xml version="1.0" encoding="utf-8"?>
+<p:sld xmlns:a="http://schemas.openxmlformats.org/drawingml/2006/main" xmlns:r="http://schemas.openxmlformats.org/officeDocument/2006/relationships" xmlns:mc="http://schemas.openxmlformats.org/markup-compatibility/2006" xmlns:mv="urn:schemas-microsoft-com:mac:vml" xmlns:p="http://schemas.openxmlformats.org/presentationml/2006/main" mc:Ignorable="mv" mc:PreserveAttributes="mv:*">
+  <p:cSld>
+    <p:spTree>
+      <p:nvGrpSpPr>
+        <p:cNvPr id="1" name=""/>
+        <p:cNvGrpSpPr/>
+        <p:nvPr/>
+      </p:nvGrpSpPr>
+      <p:grpSpPr>
+        <a:xfrm>
+          <a:off x="0" y="0"/>
+          <a:ext cx="0" cy="0"/>
+          <a:chOff x="0" y="0"/>
+          <a:chExt cx="0" cy="0"/>
+        </a:xfrm>
+      </p:grpSpPr>
+      <p:sp>
+        <p:nvSpPr>
+          <p:cNvPr id="2" name="Title 1"/>
+          <p:cNvSpPr>
+            <a:spLocks noGrp="1"/>
+          </p:cNvSpPr>
+          <p:nvPr>
+            <p:ph type="title"/>
+          </p:nvPr>
+        </p:nvSpPr>
+        <p:spPr/>
+        <p:txBody>
+          <a:bodyPr/>
+          <a:lstStyle/>
+          <a:p>
+            <a:r>
+              <a:rPr lang="en-US" dirty="0" smtClean="0"/>
+              <a:t>Example: plasmodium workflow</a:t>
+            </a:r>
+            <a:endParaRPr lang="en-US" dirty="0"/>
+          </a:p>
+        </p:txBody>
+      </p:sp>
+      <p:sp>
+        <p:nvSpPr>
+          <p:cNvPr id="3" name="Content Placeholder 2"/>
+          <p:cNvSpPr>
+            <a:spLocks noGrp="1"/>
+          </p:cNvSpPr>
+          <p:nvPr>
+            <p:ph idx="1"/>
+          </p:nvPr>
+        </p:nvSpPr>
+        <p:spPr/>
+        <p:txBody>
+          <a:bodyPr/>
+          <a:lstStyle/>
+          <a:p>
+            <a:r>
+              <a:rPr lang="en-US" dirty="0" smtClean="0"/>
+              <a:t>modify </a:t>
+            </a:r>
+            <a:r>
+              <a:rPr lang="en-US" dirty="0" err="1" smtClean="0"/>
+              <a:t>src/Plasmodium.sh</a:t>
+            </a:r>
+            <a:r>
+              <a:rPr lang="en-US" dirty="0" smtClean="0"/>
+              <a:t> to capture as much meta data as is available in your local repository, and add/commit its data footprint</a:t>
+            </a:r>
+          </a:p>
+          <a:p>
+            <a:r>
+              <a:rPr lang="en-US" dirty="0" smtClean="0"/>
+              <a:t>write a wrapper script for </a:t>
+            </a:r>
+            <a:r>
+              <a:rPr lang="en-US" dirty="0" err="1" smtClean="0"/>
+              <a:t>src/Plasmodium.sh</a:t>
+            </a:r>
+            <a:r>
+              <a:rPr lang="en-US" dirty="0" smtClean="0"/>
+              <a:t> that captures its STDOUT and STDERR to a log file, and automatically add/commit the STDOUT log</a:t>
+            </a:r>
+          </a:p>
+          <a:p>
+            <a:pPr>
+              <a:buNone/>
+            </a:pPr>
+            <a:endParaRPr lang="en-US" dirty="0"/>
           </a:p>
         </p:txBody>
       </p:sp>

--- a/doc/slides/day3/session1/Workflows.pptx
+++ b/doc/slides/day3/session1/Workflows.pptx
@@ -5,14 +5,16 @@
     <p:sldMasterId id="2147483648" r:id="rId1"/>
   </p:sldMasterIdLst>
   <p:notesMasterIdLst>
-    <p:notesMasterId r:id="rId7"/>
+    <p:notesMasterId r:id="rId9"/>
   </p:notesMasterIdLst>
   <p:sldIdLst>
     <p:sldId id="256" r:id="rId2"/>
     <p:sldId id="257" r:id="rId3"/>
-    <p:sldId id="260" r:id="rId4"/>
-    <p:sldId id="261" r:id="rId5"/>
-    <p:sldId id="259" r:id="rId6"/>
+    <p:sldId id="263" r:id="rId4"/>
+    <p:sldId id="264" r:id="rId5"/>
+    <p:sldId id="260" r:id="rId6"/>
+    <p:sldId id="261" r:id="rId7"/>
+    <p:sldId id="259" r:id="rId8"/>
   </p:sldIdLst>
   <p:sldSz cx="9144000" cy="6858000" type="screen4x3"/>
   <p:notesSz cx="6858000" cy="9144000"/>
@@ -197,7 +199,7 @@
             <a:fld id="{100D1066-83F9-5A48-AEC3-0F045DB8C0BC}" type="datetimeFigureOut">
               <a:rPr lang="en-US" smtClean="0"/>
               <a:pPr/>
-              <a:t>9/7/12</a:t>
+              <a:t>9/8/12</a:t>
             </a:fld>
             <a:endParaRPr lang="en-US"/>
           </a:p>
@@ -605,6 +607,96 @@
           <a:p>
             <a:r>
               <a:rPr lang="en-US" dirty="0" smtClean="0"/>
+              <a:t>In manufacturing, and in Information Technology,</a:t>
+            </a:r>
+            <a:r>
+              <a:rPr lang="en-US" baseline="0" dirty="0" smtClean="0"/>
+              <a:t> the pattern of delineating Development and Production Modes is used extensively</a:t>
+            </a:r>
+            <a:endParaRPr lang="en-US" dirty="0"/>
+          </a:p>
+        </p:txBody>
+      </p:sp>
+      <p:sp>
+        <p:nvSpPr>
+          <p:cNvPr id="4" name="Slide Number Placeholder 3"/>
+          <p:cNvSpPr>
+            <a:spLocks noGrp="1"/>
+          </p:cNvSpPr>
+          <p:nvPr>
+            <p:ph type="sldNum" sz="quarter" idx="10"/>
+          </p:nvPr>
+        </p:nvSpPr>
+        <p:spPr/>
+        <p:txBody>
+          <a:bodyPr/>
+          <a:lstStyle/>
+          <a:p>
+            <a:fld id="{BD3AE5F8-5BBE-9040-829F-14E86114274F}" type="slidenum">
+              <a:rPr lang="en-US" smtClean="0"/>
+              <a:pPr/>
+              <a:t>4</a:t>
+            </a:fld>
+            <a:endParaRPr lang="en-US"/>
+          </a:p>
+        </p:txBody>
+      </p:sp>
+    </p:spTree>
+  </p:cSld>
+  <p:clrMapOvr>
+    <a:masterClrMapping/>
+  </p:clrMapOvr>
+</p:notes>
+</file>
+
+<file path=ppt/notesSlides/notesSlide3.xml><?xml version="1.0" encoding="utf-8"?>
+<p:notes xmlns:a="http://schemas.openxmlformats.org/drawingml/2006/main" xmlns:r="http://schemas.openxmlformats.org/officeDocument/2006/relationships" xmlns:mc="http://schemas.openxmlformats.org/markup-compatibility/2006" xmlns:mv="urn:schemas-microsoft-com:mac:vml" xmlns:p="http://schemas.openxmlformats.org/presentationml/2006/main" mc:Ignorable="mv" mc:PreserveAttributes="mv:*">
+  <p:cSld>
+    <p:spTree>
+      <p:nvGrpSpPr>
+        <p:cNvPr id="1" name=""/>
+        <p:cNvGrpSpPr/>
+        <p:nvPr/>
+      </p:nvGrpSpPr>
+      <p:grpSpPr>
+        <a:xfrm>
+          <a:off x="0" y="0"/>
+          <a:ext cx="0" cy="0"/>
+          <a:chOff x="0" y="0"/>
+          <a:chExt cx="0" cy="0"/>
+        </a:xfrm>
+      </p:grpSpPr>
+      <p:sp>
+        <p:nvSpPr>
+          <p:cNvPr id="2" name="Slide Image Placeholder 1"/>
+          <p:cNvSpPr>
+            <a:spLocks noGrp="1" noRot="1" noChangeAspect="1"/>
+          </p:cNvSpPr>
+          <p:nvPr>
+            <p:ph type="sldImg"/>
+          </p:nvPr>
+        </p:nvSpPr>
+        <p:spPr/>
+      </p:sp>
+      <p:sp>
+        <p:nvSpPr>
+          <p:cNvPr id="3" name="Notes Placeholder 2"/>
+          <p:cNvSpPr>
+            <a:spLocks noGrp="1"/>
+          </p:cNvSpPr>
+          <p:nvPr>
+            <p:ph type="body" idx="1"/>
+          </p:nvPr>
+        </p:nvSpPr>
+        <p:spPr/>
+        <p:txBody>
+          <a:bodyPr>
+            <a:normAutofit/>
+          </a:bodyPr>
+          <a:lstStyle/>
+          <a:p>
+            <a:r>
+              <a:rPr lang="en-US" dirty="0" smtClean="0"/>
               <a:t>Fancy wine term.  Hopefully, you will not ever find yourself in the unfortunate</a:t>
             </a:r>
             <a:r>
@@ -633,7 +725,7 @@
             <a:fld id="{5C6AEE8C-7E75-B34B-94B0-1167AF240711}" type="slidenum">
               <a:rPr lang="en-US" smtClean="0"/>
               <a:pPr/>
-              <a:t>3</a:t>
+              <a:t>5</a:t>
             </a:fld>
             <a:endParaRPr lang="en-US"/>
           </a:p>
@@ -829,7 +921,7 @@
             <a:fld id="{52237D32-0FFC-5843-A066-8EC42D88DFF1}" type="datetimeFigureOut">
               <a:rPr lang="en-US" smtClean="0"/>
               <a:pPr/>
-              <a:t>9/7/12</a:t>
+              <a:t>9/8/12</a:t>
             </a:fld>
             <a:endParaRPr lang="en-US"/>
           </a:p>
@@ -996,7 +1088,7 @@
             <a:fld id="{52237D32-0FFC-5843-A066-8EC42D88DFF1}" type="datetimeFigureOut">
               <a:rPr lang="en-US" smtClean="0"/>
               <a:pPr/>
-              <a:t>9/7/12</a:t>
+              <a:t>9/8/12</a:t>
             </a:fld>
             <a:endParaRPr lang="en-US"/>
           </a:p>
@@ -1173,7 +1265,7 @@
             <a:fld id="{52237D32-0FFC-5843-A066-8EC42D88DFF1}" type="datetimeFigureOut">
               <a:rPr lang="en-US" smtClean="0"/>
               <a:pPr/>
-              <a:t>9/7/12</a:t>
+              <a:t>9/8/12</a:t>
             </a:fld>
             <a:endParaRPr lang="en-US"/>
           </a:p>
@@ -1340,7 +1432,7 @@
             <a:fld id="{52237D32-0FFC-5843-A066-8EC42D88DFF1}" type="datetimeFigureOut">
               <a:rPr lang="en-US" smtClean="0"/>
               <a:pPr/>
-              <a:t>9/7/12</a:t>
+              <a:t>9/8/12</a:t>
             </a:fld>
             <a:endParaRPr lang="en-US"/>
           </a:p>
@@ -1583,7 +1675,7 @@
             <a:fld id="{52237D32-0FFC-5843-A066-8EC42D88DFF1}" type="datetimeFigureOut">
               <a:rPr lang="en-US" smtClean="0"/>
               <a:pPr/>
-              <a:t>9/7/12</a:t>
+              <a:t>9/8/12</a:t>
             </a:fld>
             <a:endParaRPr lang="en-US"/>
           </a:p>
@@ -1868,7 +1960,7 @@
             <a:fld id="{52237D32-0FFC-5843-A066-8EC42D88DFF1}" type="datetimeFigureOut">
               <a:rPr lang="en-US" smtClean="0"/>
               <a:pPr/>
-              <a:t>9/7/12</a:t>
+              <a:t>9/8/12</a:t>
             </a:fld>
             <a:endParaRPr lang="en-US"/>
           </a:p>
@@ -2287,7 +2379,7 @@
             <a:fld id="{52237D32-0FFC-5843-A066-8EC42D88DFF1}" type="datetimeFigureOut">
               <a:rPr lang="en-US" smtClean="0"/>
               <a:pPr/>
-              <a:t>9/7/12</a:t>
+              <a:t>9/8/12</a:t>
             </a:fld>
             <a:endParaRPr lang="en-US"/>
           </a:p>
@@ -2402,7 +2494,7 @@
             <a:fld id="{52237D32-0FFC-5843-A066-8EC42D88DFF1}" type="datetimeFigureOut">
               <a:rPr lang="en-US" smtClean="0"/>
               <a:pPr/>
-              <a:t>9/7/12</a:t>
+              <a:t>9/8/12</a:t>
             </a:fld>
             <a:endParaRPr lang="en-US"/>
           </a:p>
@@ -2494,7 +2586,7 @@
             <a:fld id="{52237D32-0FFC-5843-A066-8EC42D88DFF1}" type="datetimeFigureOut">
               <a:rPr lang="en-US" smtClean="0"/>
               <a:pPr/>
-              <a:t>9/7/12</a:t>
+              <a:t>9/8/12</a:t>
             </a:fld>
             <a:endParaRPr lang="en-US"/>
           </a:p>
@@ -2768,7 +2860,7 @@
             <a:fld id="{52237D32-0FFC-5843-A066-8EC42D88DFF1}" type="datetimeFigureOut">
               <a:rPr lang="en-US" smtClean="0"/>
               <a:pPr/>
-              <a:t>9/7/12</a:t>
+              <a:t>9/8/12</a:t>
             </a:fld>
             <a:endParaRPr lang="en-US"/>
           </a:p>
@@ -3018,7 +3110,7 @@
             <a:fld id="{52237D32-0FFC-5843-A066-8EC42D88DFF1}" type="datetimeFigureOut">
               <a:rPr lang="en-US" smtClean="0"/>
               <a:pPr/>
-              <a:t>9/7/12</a:t>
+              <a:t>9/8/12</a:t>
             </a:fld>
             <a:endParaRPr lang="en-US"/>
           </a:p>
@@ -3228,7 +3320,7 @@
             <a:fld id="{52237D32-0FFC-5843-A066-8EC42D88DFF1}" type="datetimeFigureOut">
               <a:rPr lang="en-US" smtClean="0"/>
               <a:pPr/>
-              <a:t>9/7/12</a:t>
+              <a:t>9/8/12</a:t>
             </a:fld>
             <a:endParaRPr lang="en-US"/>
           </a:p>
@@ -3705,10 +3797,93 @@
         </p:nvSpPr>
         <p:spPr/>
         <p:txBody>
-          <a:bodyPr/>
-          <a:lstStyle/>
-          <a:p>
-            <a:endParaRPr lang="en-US"/>
+          <a:bodyPr>
+            <a:normAutofit fontScale="77500" lnSpcReduction="20000"/>
+          </a:bodyPr>
+          <a:lstStyle/>
+          <a:p>
+            <a:pPr>
+              <a:buNone/>
+            </a:pPr>
+            <a:r>
+              <a:rPr lang="en-US" dirty="0" smtClean="0">
+                <a:hlinkClick r:id="rId2"/>
+              </a:rPr>
+              <a:t>http://en.wikipedia.org/wiki/</a:t>
+            </a:r>
+            <a:r>
+              <a:rPr lang="en-US" dirty="0" smtClean="0">
+                <a:hlinkClick r:id="rId2"/>
+              </a:rPr>
+              <a:t>Workflow</a:t>
+            </a:r>
+            <a:endParaRPr lang="en-US" dirty="0" smtClean="0"/>
+          </a:p>
+          <a:p>
+            <a:r>
+              <a:rPr lang="en-US" dirty="0" smtClean="0"/>
+              <a:t>Connected sequence of well-defined steps to process raw input into one or more specific outputs</a:t>
+            </a:r>
+          </a:p>
+          <a:p>
+            <a:r>
+              <a:rPr lang="en-US" dirty="0" smtClean="0"/>
+              <a:t>Minimizes gaps between steps</a:t>
+            </a:r>
+          </a:p>
+          <a:p>
+            <a:pPr lvl="1"/>
+            <a:r>
+              <a:rPr lang="en-US" dirty="0" smtClean="0"/>
+              <a:t>time</a:t>
+            </a:r>
+          </a:p>
+          <a:p>
+            <a:pPr lvl="1"/>
+            <a:r>
+              <a:rPr lang="en-US" dirty="0" smtClean="0"/>
+              <a:t>tuning/tweaking</a:t>
+            </a:r>
+            <a:endParaRPr lang="en-US" dirty="0" smtClean="0"/>
+          </a:p>
+          <a:p>
+            <a:r>
+              <a:rPr lang="en-US" dirty="0" smtClean="0"/>
+              <a:t>Encodes logic for making key decisions</a:t>
+            </a:r>
+          </a:p>
+          <a:p>
+            <a:pPr lvl="1"/>
+            <a:r>
+              <a:rPr lang="en-US" dirty="0" smtClean="0"/>
+              <a:t>step output validation</a:t>
+            </a:r>
+          </a:p>
+          <a:p>
+            <a:pPr lvl="1"/>
+            <a:r>
+              <a:rPr lang="en-US" dirty="0" smtClean="0"/>
+              <a:t>alternate steps (branching)</a:t>
+            </a:r>
+          </a:p>
+          <a:p>
+            <a:r>
+              <a:rPr lang="en-US" dirty="0" smtClean="0"/>
+              <a:t>Facilitates repetition </a:t>
+            </a:r>
+          </a:p>
+          <a:p>
+            <a:r>
+              <a:rPr lang="en-US" dirty="0" smtClean="0"/>
+              <a:t>Facilitates automation</a:t>
+            </a:r>
+          </a:p>
+          <a:p>
+            <a:r>
+              <a:rPr lang="en-US" dirty="0" smtClean="0"/>
+              <a:t>Sometimes called a pipeline</a:t>
+            </a:r>
+            <a:endParaRPr lang="en-US" dirty="0" smtClean="0"/>
           </a:p>
         </p:txBody>
       </p:sp>
@@ -3756,7 +3931,7 @@
           <a:p>
             <a:r>
               <a:rPr lang="en-US" dirty="0" smtClean="0"/>
-              <a:t>Capturing and versioning Data and Analysis Meta Data</a:t>
+              <a:t>A Critical part of Project Organization</a:t>
             </a:r>
             <a:endParaRPr lang="en-US" dirty="0"/>
           </a:p>
@@ -3774,85 +3949,49 @@
         </p:nvSpPr>
         <p:spPr/>
         <p:txBody>
-          <a:bodyPr>
-            <a:normAutofit fontScale="55000" lnSpcReduction="20000"/>
-          </a:bodyPr>
+          <a:bodyPr/>
           <a:lstStyle/>
           <a:p>
             <a:pPr>
               <a:buNone/>
             </a:pPr>
             <a:r>
-              <a:rPr lang="en-US" dirty="0" smtClean="0"/>
-              <a:t>Big push is to capture Research Data Provenance</a:t>
-            </a:r>
-          </a:p>
-          <a:p>
-            <a:r>
-              <a:rPr lang="en-US" dirty="0" smtClean="0"/>
-              <a:t>Process of marshalling data from source (internal or external) through analysis pipeline should minimize human interaction/manipulation</a:t>
-            </a:r>
-          </a:p>
-          <a:p>
-            <a:r>
-              <a:rPr lang="en-US" dirty="0" smtClean="0"/>
-              <a:t>Automated pipelines should maximize capture of information about data files, and analysis scripts/programs:</a:t>
-            </a:r>
-          </a:p>
-          <a:p>
-            <a:pPr lvl="1"/>
-            <a:r>
-              <a:rPr lang="en-US" dirty="0" err="1" smtClean="0"/>
-              <a:t>hashsums</a:t>
-            </a:r>
-            <a:r>
-              <a:rPr lang="en-US" dirty="0" smtClean="0"/>
-              <a:t> of data files before and after processing (md5, sha1)</a:t>
-            </a:r>
-          </a:p>
-          <a:p>
-            <a:pPr lvl="1"/>
-            <a:r>
-              <a:rPr lang="en-US" dirty="0" smtClean="0"/>
-              <a:t>paths (which), and versions* of scripts/programs before they are called</a:t>
-            </a:r>
-          </a:p>
-          <a:p>
-            <a:pPr lvl="1"/>
-            <a:r>
-              <a:rPr lang="en-US" dirty="0" err="1" smtClean="0"/>
-              <a:t>hashsums</a:t>
-            </a:r>
-            <a:r>
-              <a:rPr lang="en-US" dirty="0" smtClean="0"/>
-              <a:t> of scripts/programs before they are called (especially if script/program does not supply a version)</a:t>
-            </a:r>
-          </a:p>
-          <a:p>
-            <a:pPr lvl="1"/>
-            <a:r>
-              <a:rPr lang="en-US" dirty="0" smtClean="0"/>
-              <a:t>date/time, start time and end time, and possibly runtime, of each script/program run</a:t>
-            </a:r>
-          </a:p>
-          <a:p>
-            <a:r>
-              <a:rPr lang="en-US" dirty="0" smtClean="0"/>
-              <a:t>Project should include all of this information, from beginning to end, in the RCS so that sharing a repository with the data and scripts ensures that this information is also included</a:t>
-            </a:r>
-          </a:p>
-          <a:p>
+              <a:rPr lang="en-US" dirty="0" smtClean="0">
+                <a:hlinkClick r:id="rId2"/>
+              </a:rPr>
+              <a:t>http://dx.doi.org/10.1371/journal.pcbi.</a:t>
+            </a:r>
+            <a:r>
+              <a:rPr lang="en-US" dirty="0" smtClean="0">
+                <a:hlinkClick r:id="rId2"/>
+              </a:rPr>
+              <a:t>1000424</a:t>
+            </a:r>
             <a:endParaRPr lang="en-US" dirty="0" smtClean="0"/>
           </a:p>
           <a:p>
-            <a:pPr>
-              <a:buNone/>
-            </a:pPr>
-            <a:r>
-              <a:rPr lang="en-US" i="1" dirty="0" smtClean="0"/>
-              <a:t>* many scripts/programs do not print version information.  You should get in the habit of making your own scripts/programs able to print a version to STDOUT and exit with a nonzero exit status upon request</a:t>
-            </a:r>
-            <a:endParaRPr lang="en-US" i="1" dirty="0"/>
+            <a:r>
+              <a:rPr lang="en-US" dirty="0" smtClean="0"/>
+              <a:t>Describes your computational process in detail</a:t>
+            </a:r>
+          </a:p>
+          <a:p>
+            <a:r>
+              <a:rPr lang="en-US" dirty="0" smtClean="0"/>
+              <a:t>Makes it easy for other researchers to repeat your specific process, or reuse your process on other similar data</a:t>
+            </a:r>
+          </a:p>
+          <a:p>
+            <a:r>
+              <a:rPr lang="en-US" dirty="0" smtClean="0"/>
+              <a:t>In some cases may be more important/useful than the data</a:t>
+            </a:r>
+          </a:p>
+          <a:p>
+            <a:endParaRPr lang="en-US" dirty="0" smtClean="0"/>
+          </a:p>
+          <a:p>
+            <a:endParaRPr lang="en-US" dirty="0"/>
           </a:p>
         </p:txBody>
       </p:sp>
@@ -3898,7 +4037,7 @@
           <a:p>
             <a:r>
               <a:rPr lang="en-US" dirty="0" smtClean="0"/>
-              <a:t>Modification to Project Structure	</a:t>
+              <a:t>Steps to create a workflow</a:t>
             </a:r>
             <a:endParaRPr lang="en-US" dirty="0"/>
           </a:p>
@@ -3917,169 +4056,96 @@
         <p:spPr/>
         <p:txBody>
           <a:bodyPr>
-            <a:normAutofit fontScale="55000" lnSpcReduction="20000"/>
+            <a:normAutofit fontScale="62500" lnSpcReduction="20000"/>
           </a:bodyPr>
           <a:lstStyle/>
           <a:p>
             <a:r>
               <a:rPr lang="en-US" dirty="0" smtClean="0"/>
-              <a:t>add ‘log’ directory to top level directory (docs, data, </a:t>
+              <a:t>Define your process steps on a small subset of data (Development Mode)</a:t>
+            </a:r>
+          </a:p>
+          <a:p>
+            <a:pPr lvl="1"/>
+            <a:r>
+              <a:rPr lang="en-US" dirty="0" smtClean="0"/>
+              <a:t>P</a:t>
+            </a:r>
+            <a:r>
+              <a:rPr lang="en-US" dirty="0" smtClean="0"/>
+              <a:t>lace step into a script* as soon as you have defined it</a:t>
+            </a:r>
+          </a:p>
+          <a:p>
+            <a:pPr lvl="1"/>
+            <a:r>
+              <a:rPr lang="en-US" dirty="0" smtClean="0"/>
+              <a:t>version the script</a:t>
+            </a:r>
+          </a:p>
+          <a:p>
+            <a:pPr lvl="1"/>
+            <a:r>
+              <a:rPr lang="en-US" dirty="0" smtClean="0"/>
+              <a:t>encode logic for skipping</a:t>
+            </a:r>
+            <a:r>
+              <a:rPr lang="en-US" dirty="0" smtClean="0"/>
+              <a:t> the step </a:t>
+            </a:r>
+            <a:r>
+              <a:rPr lang="en-US" dirty="0" smtClean="0"/>
+              <a:t>when</a:t>
+            </a:r>
+            <a:r>
+              <a:rPr lang="en-US" dirty="0" smtClean="0"/>
+              <a:t> it’s </a:t>
+            </a:r>
+            <a:r>
+              <a:rPr lang="en-US" dirty="0" smtClean="0"/>
+              <a:t>output is present and up to date</a:t>
+            </a:r>
+          </a:p>
+          <a:p>
+            <a:pPr lvl="1"/>
+            <a:r>
+              <a:rPr lang="en-US" dirty="0" smtClean="0"/>
+              <a:t>run </a:t>
+            </a:r>
+            <a:r>
+              <a:rPr lang="en-US" dirty="0" smtClean="0"/>
+              <a:t>the </a:t>
+            </a:r>
+            <a:r>
+              <a:rPr lang="en-US" dirty="0" smtClean="0"/>
+              <a:t>script</a:t>
+            </a:r>
+          </a:p>
+          <a:p>
+            <a:pPr lvl="1"/>
+            <a:r>
+              <a:rPr lang="en-US" dirty="0" smtClean="0"/>
+              <a:t>repeat until workflow is completely described</a:t>
+            </a:r>
+          </a:p>
+          <a:p>
+            <a:r>
+              <a:rPr lang="en-US" dirty="0" smtClean="0"/>
+              <a:t>Run the completely defined workflow on the real data from start to finish (Production Mode)</a:t>
+            </a:r>
+          </a:p>
+          <a:p>
+            <a:r>
+              <a:rPr lang="en-US" dirty="0" smtClean="0"/>
+              <a:t>Fix/Extend the workflow by modifying the script (</a:t>
             </a:r>
             <a:r>
               <a:rPr lang="en-US" dirty="0" err="1" smtClean="0"/>
-              <a:t>src</a:t>
-            </a:r>
-            <a:r>
-              <a:rPr lang="en-US" dirty="0" smtClean="0"/>
-              <a:t>, bin, results, and now log)</a:t>
-            </a:r>
-          </a:p>
-          <a:p>
-            <a:r>
-              <a:rPr lang="en-US" dirty="0" smtClean="0"/>
-              <a:t>Modify analysis pipeline scripts</a:t>
-            </a:r>
-          </a:p>
-          <a:p>
-            <a:pPr lvl="1"/>
-            <a:r>
-              <a:rPr lang="en-US" dirty="0" smtClean="0"/>
-              <a:t>redirect STDOUT and STDERR to files in log directory named for the script, and the run date-time (or in a date-time subdirectory)</a:t>
-            </a:r>
-          </a:p>
-          <a:p>
-            <a:pPr lvl="1"/>
-            <a:r>
-              <a:rPr lang="en-US" dirty="0" smtClean="0"/>
-              <a:t>print date, start time, end time, and even  total run time to STDOUT log </a:t>
-            </a:r>
-          </a:p>
-          <a:p>
-            <a:pPr lvl="1"/>
-            <a:r>
-              <a:rPr lang="en-US" dirty="0" smtClean="0"/>
-              <a:t>capture </a:t>
-            </a:r>
-            <a:r>
-              <a:rPr lang="en-US" dirty="0" err="1" smtClean="0"/>
-              <a:t>hashsum</a:t>
-            </a:r>
-            <a:r>
-              <a:rPr lang="en-US" dirty="0" smtClean="0"/>
-              <a:t> and version of themselves in STDOUT log</a:t>
-            </a:r>
-          </a:p>
-          <a:p>
-            <a:pPr lvl="1"/>
-            <a:r>
-              <a:rPr lang="en-US" dirty="0" smtClean="0"/>
-              <a:t>capture </a:t>
-            </a:r>
-            <a:r>
-              <a:rPr lang="en-US" dirty="0" err="1" smtClean="0"/>
-              <a:t>hashsum</a:t>
-            </a:r>
-            <a:r>
-              <a:rPr lang="en-US" dirty="0" smtClean="0"/>
-              <a:t> of data file before* and after* any analysis is run on that data file in STDOUT log</a:t>
-            </a:r>
-          </a:p>
-          <a:p>
-            <a:pPr lvl="1"/>
-            <a:r>
-              <a:rPr lang="en-US" dirty="0" smtClean="0"/>
-              <a:t>capture </a:t>
-            </a:r>
-            <a:r>
-              <a:rPr lang="en-US" dirty="0" err="1" smtClean="0"/>
-              <a:t>hashsums</a:t>
-            </a:r>
-            <a:r>
-              <a:rPr lang="en-US" dirty="0" smtClean="0"/>
-              <a:t> of intermediate data files*, even if the files are to be deleted, in STDOUT log</a:t>
-            </a:r>
-          </a:p>
-          <a:p>
-            <a:pPr lvl="1"/>
-            <a:r>
-              <a:rPr lang="en-US" dirty="0" smtClean="0"/>
-              <a:t>log deletions *of any data files in STDOUT log</a:t>
-            </a:r>
-          </a:p>
-          <a:p>
-            <a:pPr lvl="1"/>
-            <a:r>
-              <a:rPr lang="en-US" dirty="0" smtClean="0"/>
-              <a:t>capture </a:t>
-            </a:r>
-            <a:r>
-              <a:rPr lang="en-US" dirty="0" err="1" smtClean="0"/>
-              <a:t>hashsums</a:t>
-            </a:r>
-            <a:r>
-              <a:rPr lang="en-US" dirty="0" smtClean="0"/>
-              <a:t> and versions of any other script/program executed by the script before executing the script in STDOUT log</a:t>
-            </a:r>
-          </a:p>
-          <a:p>
-            <a:pPr lvl="1"/>
-            <a:r>
-              <a:rPr lang="en-US" dirty="0" smtClean="0"/>
-              <a:t>capture </a:t>
-            </a:r>
-            <a:r>
-              <a:rPr lang="en-US" dirty="0" err="1" smtClean="0"/>
-              <a:t>hashsums</a:t>
-            </a:r>
-            <a:r>
-              <a:rPr lang="en-US" dirty="0" smtClean="0"/>
-              <a:t> of all result files immediately after they are produced in STDOUT log</a:t>
-            </a:r>
-          </a:p>
-          <a:p>
-            <a:pPr lvl="1"/>
-            <a:r>
-              <a:rPr lang="en-US" dirty="0" smtClean="0"/>
-              <a:t>close and </a:t>
-            </a:r>
-            <a:r>
-              <a:rPr lang="en-US" dirty="0" err="1" smtClean="0"/>
-              <a:t>git</a:t>
-            </a:r>
-            <a:r>
-              <a:rPr lang="en-US" dirty="0" smtClean="0"/>
-              <a:t> add/commit all new files, all deleted files, and the STDOUT log file immediately before exiting</a:t>
-            </a:r>
-          </a:p>
-          <a:p>
-            <a:pPr lvl="1"/>
-            <a:r>
-              <a:rPr lang="en-US" dirty="0" smtClean="0"/>
-              <a:t>alternatively, or in addition, use the STDOUT log file as the </a:t>
-            </a:r>
-            <a:r>
-              <a:rPr lang="en-US" dirty="0" err="1" smtClean="0"/>
-              <a:t>git</a:t>
-            </a:r>
-            <a:r>
-              <a:rPr lang="en-US" dirty="0" smtClean="0"/>
-              <a:t> commit message for all new and deleted files (</a:t>
-            </a:r>
-            <a:r>
-              <a:rPr lang="en-US" dirty="0" err="1" smtClean="0"/>
-              <a:t>git</a:t>
-            </a:r>
-            <a:r>
-              <a:rPr lang="en-US" dirty="0" smtClean="0"/>
-              <a:t> commit –</a:t>
-            </a:r>
-            <a:r>
-              <a:rPr lang="en-US" dirty="0" err="1" smtClean="0"/>
-              <a:t>f</a:t>
-            </a:r>
-            <a:r>
-              <a:rPr lang="en-US" dirty="0" smtClean="0"/>
-              <a:t> log/090212/foo.log path/to/files)</a:t>
+              <a:t>dont</a:t>
+            </a:r>
+            <a:r>
+              <a:rPr lang="en-US" dirty="0" smtClean="0"/>
+              <a:t> forget to increment the version)</a:t>
             </a:r>
           </a:p>
           <a:p>
@@ -4090,10 +4156,9 @@
               <a:buNone/>
             </a:pPr>
             <a:r>
-              <a:rPr lang="en-US" dirty="0" smtClean="0"/>
-              <a:t>* these activities make up the data footprint of an analysis</a:t>
-            </a:r>
-            <a:endParaRPr lang="en-US" dirty="0"/>
+              <a:rPr lang="en-US" i="1" dirty="0" smtClean="0"/>
+              <a:t>* script can be written in any language, but interpretive languages are quicker to develop incrementally in the fashion because they remove the compilation step</a:t>
+            </a:r>
           </a:p>
         </p:txBody>
       </p:sp>
@@ -4106,6 +4171,522 @@
 </file>
 
 <file path=ppt/slides/slide5.xml><?xml version="1.0" encoding="utf-8"?>
+<p:sld xmlns:a="http://schemas.openxmlformats.org/drawingml/2006/main" xmlns:r="http://schemas.openxmlformats.org/officeDocument/2006/relationships" xmlns:mc="http://schemas.openxmlformats.org/markup-compatibility/2006" xmlns:mv="urn:schemas-microsoft-com:mac:vml" xmlns:p="http://schemas.openxmlformats.org/presentationml/2006/main" mc:Ignorable="mv" mc:PreserveAttributes="mv:*">
+  <p:cSld>
+    <p:spTree>
+      <p:nvGrpSpPr>
+        <p:cNvPr id="1" name=""/>
+        <p:cNvGrpSpPr/>
+        <p:nvPr/>
+      </p:nvGrpSpPr>
+      <p:grpSpPr>
+        <a:xfrm>
+          <a:off x="0" y="0"/>
+          <a:ext cx="0" cy="0"/>
+          <a:chOff x="0" y="0"/>
+          <a:chExt cx="0" cy="0"/>
+        </a:xfrm>
+      </p:grpSpPr>
+      <p:sp>
+        <p:nvSpPr>
+          <p:cNvPr id="2" name="Title 1"/>
+          <p:cNvSpPr>
+            <a:spLocks noGrp="1"/>
+          </p:cNvSpPr>
+          <p:nvPr>
+            <p:ph type="title"/>
+          </p:nvPr>
+        </p:nvSpPr>
+        <p:spPr/>
+        <p:txBody>
+          <a:bodyPr>
+            <a:normAutofit fontScale="90000"/>
+          </a:bodyPr>
+          <a:lstStyle/>
+          <a:p>
+            <a:r>
+              <a:rPr lang="en-US" dirty="0" smtClean="0"/>
+              <a:t>Capturing and versioning Data and Analysis Meta Data</a:t>
+            </a:r>
+            <a:endParaRPr lang="en-US" dirty="0"/>
+          </a:p>
+        </p:txBody>
+      </p:sp>
+      <p:sp>
+        <p:nvSpPr>
+          <p:cNvPr id="3" name="Content Placeholder 2"/>
+          <p:cNvSpPr>
+            <a:spLocks noGrp="1"/>
+          </p:cNvSpPr>
+          <p:nvPr>
+            <p:ph idx="1"/>
+          </p:nvPr>
+        </p:nvSpPr>
+        <p:spPr/>
+        <p:txBody>
+          <a:bodyPr>
+            <a:normAutofit fontScale="55000" lnSpcReduction="20000"/>
+          </a:bodyPr>
+          <a:lstStyle/>
+          <a:p>
+            <a:pPr>
+              <a:buNone/>
+            </a:pPr>
+            <a:r>
+              <a:rPr lang="en-US" dirty="0" smtClean="0"/>
+              <a:t>aka: Research </a:t>
+            </a:r>
+            <a:r>
+              <a:rPr lang="en-US" dirty="0" smtClean="0"/>
+              <a:t>Data Provenance</a:t>
+            </a:r>
+          </a:p>
+          <a:p>
+            <a:r>
+              <a:rPr lang="en-US" dirty="0" smtClean="0"/>
+              <a:t>Process of </a:t>
+            </a:r>
+            <a:r>
+              <a:rPr lang="en-US" dirty="0" smtClean="0"/>
+              <a:t>marshalling input data </a:t>
+            </a:r>
+            <a:r>
+              <a:rPr lang="en-US" dirty="0" smtClean="0"/>
+              <a:t>from source (internal or external) through</a:t>
+            </a:r>
+            <a:r>
+              <a:rPr lang="en-US" dirty="0" smtClean="0"/>
+              <a:t> workflow </a:t>
+            </a:r>
+            <a:r>
+              <a:rPr lang="en-US" dirty="0" smtClean="0"/>
+              <a:t>should minimize human interaction/manipulation</a:t>
+            </a:r>
+            <a:endParaRPr lang="en-US" dirty="0" smtClean="0"/>
+          </a:p>
+          <a:p>
+            <a:r>
+              <a:rPr lang="en-US" dirty="0" smtClean="0"/>
+              <a:t>Workflows</a:t>
+            </a:r>
+            <a:r>
+              <a:rPr lang="en-US" dirty="0" smtClean="0"/>
+              <a:t> </a:t>
+            </a:r>
+            <a:r>
+              <a:rPr lang="en-US" dirty="0" smtClean="0"/>
+              <a:t>should </a:t>
+            </a:r>
+            <a:r>
+              <a:rPr lang="en-US" dirty="0" smtClean="0"/>
+              <a:t>maximize the </a:t>
+            </a:r>
+            <a:r>
+              <a:rPr lang="en-US" dirty="0" smtClean="0"/>
+              <a:t>capture of information about data files, and analysis scripts/programs:</a:t>
+            </a:r>
+          </a:p>
+          <a:p>
+            <a:pPr lvl="1"/>
+            <a:r>
+              <a:rPr lang="en-US" dirty="0" err="1" smtClean="0"/>
+              <a:t>hashsums</a:t>
+            </a:r>
+            <a:r>
+              <a:rPr lang="en-US" dirty="0" smtClean="0"/>
+              <a:t> of data files before and after processing (md5, sha1)</a:t>
+            </a:r>
+          </a:p>
+          <a:p>
+            <a:pPr lvl="1"/>
+            <a:r>
+              <a:rPr lang="en-US" dirty="0" smtClean="0"/>
+              <a:t>paths (which), and versions* of scripts/programs before they are called</a:t>
+            </a:r>
+          </a:p>
+          <a:p>
+            <a:pPr lvl="1"/>
+            <a:r>
+              <a:rPr lang="en-US" dirty="0" err="1" smtClean="0"/>
+              <a:t>hashsums</a:t>
+            </a:r>
+            <a:r>
+              <a:rPr lang="en-US" dirty="0" smtClean="0"/>
+              <a:t> of scripts/programs before they are called (especially if script/program does not supply a version)</a:t>
+            </a:r>
+          </a:p>
+          <a:p>
+            <a:pPr lvl="1"/>
+            <a:r>
+              <a:rPr lang="en-US" dirty="0" smtClean="0"/>
+              <a:t>date/time, start time and end time, and possibly runtime, of each script/program run</a:t>
+            </a:r>
+          </a:p>
+          <a:p>
+            <a:r>
+              <a:rPr lang="en-US" dirty="0" smtClean="0"/>
+              <a:t>Project should include all of this information, from beginning to end, in the RCS so that sharing a repository with the data and scripts ensures that this information is also included</a:t>
+            </a:r>
+          </a:p>
+          <a:p>
+            <a:endParaRPr lang="en-US" dirty="0" smtClean="0"/>
+          </a:p>
+          <a:p>
+            <a:pPr>
+              <a:buNone/>
+            </a:pPr>
+            <a:r>
+              <a:rPr lang="en-US" i="1" dirty="0" smtClean="0"/>
+              <a:t>* many scripts/programs do not print version information.  You should get in the habit of making your own scripts/programs able to print a version to STDOUT and exit with a nonzero exit status upon request</a:t>
+            </a:r>
+            <a:endParaRPr lang="en-US" i="1" dirty="0"/>
+          </a:p>
+        </p:txBody>
+      </p:sp>
+    </p:spTree>
+  </p:cSld>
+  <p:clrMapOvr>
+    <a:masterClrMapping/>
+  </p:clrMapOvr>
+</p:sld>
+</file>
+
+<file path=ppt/slides/slide6.xml><?xml version="1.0" encoding="utf-8"?>
+<p:sld xmlns:a="http://schemas.openxmlformats.org/drawingml/2006/main" xmlns:r="http://schemas.openxmlformats.org/officeDocument/2006/relationships" xmlns:mc="http://schemas.openxmlformats.org/markup-compatibility/2006" xmlns:mv="urn:schemas-microsoft-com:mac:vml" xmlns:p="http://schemas.openxmlformats.org/presentationml/2006/main" mc:Ignorable="mv" mc:PreserveAttributes="mv:*">
+  <p:cSld>
+    <p:spTree>
+      <p:nvGrpSpPr>
+        <p:cNvPr id="1" name=""/>
+        <p:cNvGrpSpPr/>
+        <p:nvPr/>
+      </p:nvGrpSpPr>
+      <p:grpSpPr>
+        <a:xfrm>
+          <a:off x="0" y="0"/>
+          <a:ext cx="0" cy="0"/>
+          <a:chOff x="0" y="0"/>
+          <a:chExt cx="0" cy="0"/>
+        </a:xfrm>
+      </p:grpSpPr>
+      <p:sp>
+        <p:nvSpPr>
+          <p:cNvPr id="2" name="Title 1"/>
+          <p:cNvSpPr>
+            <a:spLocks noGrp="1"/>
+          </p:cNvSpPr>
+          <p:nvPr>
+            <p:ph type="title"/>
+          </p:nvPr>
+        </p:nvSpPr>
+        <p:spPr/>
+        <p:txBody>
+          <a:bodyPr>
+            <a:normAutofit fontScale="90000"/>
+          </a:bodyPr>
+          <a:lstStyle/>
+          <a:p>
+            <a:r>
+              <a:rPr lang="en-US" dirty="0" smtClean="0"/>
+              <a:t>Modification to Project</a:t>
+            </a:r>
+            <a:r>
+              <a:rPr lang="en-US" dirty="0" smtClean="0"/>
+              <a:t> Directory Structure</a:t>
+            </a:r>
+            <a:r>
+              <a:rPr lang="en-US" dirty="0" smtClean="0"/>
+              <a:t>	</a:t>
+            </a:r>
+            <a:endParaRPr lang="en-US" dirty="0"/>
+          </a:p>
+        </p:txBody>
+      </p:sp>
+      <p:sp>
+        <p:nvSpPr>
+          <p:cNvPr id="3" name="Content Placeholder 2"/>
+          <p:cNvSpPr>
+            <a:spLocks noGrp="1"/>
+          </p:cNvSpPr>
+          <p:nvPr>
+            <p:ph idx="1"/>
+          </p:nvPr>
+        </p:nvSpPr>
+        <p:spPr/>
+        <p:txBody>
+          <a:bodyPr>
+            <a:normAutofit fontScale="47500" lnSpcReduction="20000"/>
+          </a:bodyPr>
+          <a:lstStyle/>
+          <a:p>
+            <a:r>
+              <a:rPr lang="en-US" dirty="0" smtClean="0"/>
+              <a:t>add ‘log’ directory to top level directory (docs, data, </a:t>
+            </a:r>
+            <a:r>
+              <a:rPr lang="en-US" dirty="0" err="1" smtClean="0"/>
+              <a:t>src</a:t>
+            </a:r>
+            <a:r>
+              <a:rPr lang="en-US" dirty="0" smtClean="0"/>
+              <a:t>, bin, results, and now log)</a:t>
+            </a:r>
+          </a:p>
+          <a:p>
+            <a:r>
+              <a:rPr lang="en-US" dirty="0" smtClean="0"/>
+              <a:t>Modify</a:t>
+            </a:r>
+            <a:r>
+              <a:rPr lang="en-US" dirty="0" smtClean="0"/>
+              <a:t> workflow </a:t>
+            </a:r>
+            <a:r>
+              <a:rPr lang="en-US" dirty="0" err="1" smtClean="0"/>
+              <a:t>script(s</a:t>
+            </a:r>
+            <a:r>
+              <a:rPr lang="en-US" dirty="0" smtClean="0"/>
+              <a:t>)</a:t>
+            </a:r>
+          </a:p>
+          <a:p>
+            <a:pPr lvl="1"/>
+            <a:r>
+              <a:rPr lang="en-US" dirty="0" smtClean="0"/>
+              <a:t>redirect STDOUT and STDERR to files </a:t>
+            </a:r>
+            <a:r>
+              <a:rPr lang="en-US" dirty="0" smtClean="0"/>
+              <a:t>in chronological subdirectory within </a:t>
+            </a:r>
+            <a:r>
+              <a:rPr lang="en-US" dirty="0" smtClean="0"/>
+              <a:t>log </a:t>
+            </a:r>
+            <a:r>
+              <a:rPr lang="en-US" dirty="0" smtClean="0"/>
+              <a:t>directory, </a:t>
+            </a:r>
+            <a:r>
+              <a:rPr lang="en-US" dirty="0" smtClean="0"/>
+              <a:t>named for the </a:t>
+            </a:r>
+            <a:r>
+              <a:rPr lang="en-US" dirty="0" smtClean="0"/>
+              <a:t>script and its unique process id (PID)</a:t>
+            </a:r>
+          </a:p>
+          <a:p>
+            <a:pPr lvl="1"/>
+            <a:r>
+              <a:rPr lang="en-US" dirty="0" smtClean="0"/>
+              <a:t>print date, start time, end time, and even</a:t>
+            </a:r>
+            <a:r>
+              <a:rPr lang="en-US" dirty="0" smtClean="0"/>
+              <a:t> total </a:t>
+            </a:r>
+            <a:r>
+              <a:rPr lang="en-US" dirty="0" smtClean="0"/>
+              <a:t>run time to STDOUT log </a:t>
+            </a:r>
+          </a:p>
+          <a:p>
+            <a:pPr lvl="1"/>
+            <a:r>
+              <a:rPr lang="en-US" dirty="0" smtClean="0"/>
+              <a:t>capture </a:t>
+            </a:r>
+            <a:r>
+              <a:rPr lang="en-US" dirty="0" err="1" smtClean="0"/>
+              <a:t>hashsum</a:t>
+            </a:r>
+            <a:r>
+              <a:rPr lang="en-US" dirty="0" smtClean="0"/>
+              <a:t> and </a:t>
+            </a:r>
+            <a:r>
+              <a:rPr lang="en-US" dirty="0" smtClean="0"/>
+              <a:t>version** </a:t>
+            </a:r>
+            <a:r>
+              <a:rPr lang="en-US" dirty="0" smtClean="0"/>
+              <a:t>of themselves in STDOUT log</a:t>
+            </a:r>
+          </a:p>
+          <a:p>
+            <a:pPr lvl="1"/>
+            <a:r>
+              <a:rPr lang="en-US" dirty="0" smtClean="0"/>
+              <a:t>capture </a:t>
+            </a:r>
+            <a:r>
+              <a:rPr lang="en-US" dirty="0" err="1" smtClean="0"/>
+              <a:t>hashsum</a:t>
+            </a:r>
+            <a:r>
+              <a:rPr lang="en-US" dirty="0" smtClean="0"/>
+              <a:t> of data file before* and after* any analysis is run on that data file in STDOUT log</a:t>
+            </a:r>
+          </a:p>
+          <a:p>
+            <a:pPr lvl="1"/>
+            <a:r>
+              <a:rPr lang="en-US" dirty="0" smtClean="0"/>
+              <a:t>capture </a:t>
+            </a:r>
+            <a:r>
+              <a:rPr lang="en-US" dirty="0" err="1" smtClean="0"/>
+              <a:t>hashsums</a:t>
+            </a:r>
+            <a:r>
+              <a:rPr lang="en-US" dirty="0" smtClean="0"/>
+              <a:t> of intermediate data files*, even if the files are to be deleted, in STDOUT log</a:t>
+            </a:r>
+          </a:p>
+          <a:p>
+            <a:pPr lvl="1"/>
+            <a:r>
+              <a:rPr lang="en-US" dirty="0" smtClean="0"/>
+              <a:t>log deletions *of any data files in STDOUT log</a:t>
+            </a:r>
+          </a:p>
+          <a:p>
+            <a:pPr lvl="1"/>
+            <a:r>
+              <a:rPr lang="en-US" dirty="0" smtClean="0"/>
+              <a:t>capture </a:t>
+            </a:r>
+            <a:r>
+              <a:rPr lang="en-US" dirty="0" err="1" smtClean="0"/>
+              <a:t>hashsums</a:t>
+            </a:r>
+            <a:r>
+              <a:rPr lang="en-US" dirty="0" smtClean="0"/>
+              <a:t> and versions of any other script/program executed by the script before executing the script in STDOUT log</a:t>
+            </a:r>
+          </a:p>
+          <a:p>
+            <a:pPr lvl="1"/>
+            <a:r>
+              <a:rPr lang="en-US" dirty="0" smtClean="0"/>
+              <a:t>capture </a:t>
+            </a:r>
+            <a:r>
+              <a:rPr lang="en-US" dirty="0" err="1" smtClean="0"/>
+              <a:t>hashsums</a:t>
+            </a:r>
+            <a:r>
+              <a:rPr lang="en-US" dirty="0" smtClean="0"/>
+              <a:t> of all result files immediately after they are produced in STDOUT log</a:t>
+            </a:r>
+          </a:p>
+          <a:p>
+            <a:pPr lvl="1"/>
+            <a:r>
+              <a:rPr lang="en-US" dirty="0" smtClean="0"/>
+              <a:t>close and </a:t>
+            </a:r>
+            <a:r>
+              <a:rPr lang="en-US" dirty="0" err="1" smtClean="0"/>
+              <a:t>git</a:t>
+            </a:r>
+            <a:r>
+              <a:rPr lang="en-US" dirty="0" smtClean="0"/>
+              <a:t> add/commit all new files, all deleted files, and the STDOUT log file immediately before exiting</a:t>
+            </a:r>
+            <a:endParaRPr lang="en-US" dirty="0" smtClean="0"/>
+          </a:p>
+          <a:p>
+            <a:r>
+              <a:rPr lang="en-US" dirty="0" smtClean="0"/>
+              <a:t>Optional</a:t>
+            </a:r>
+          </a:p>
+          <a:p>
+            <a:pPr lvl="1"/>
+            <a:r>
+              <a:rPr lang="en-US" dirty="0" smtClean="0"/>
+              <a:t>use the STDOUT log file as the </a:t>
+            </a:r>
+            <a:r>
+              <a:rPr lang="en-US" dirty="0" err="1" smtClean="0"/>
+              <a:t>git</a:t>
+            </a:r>
+            <a:r>
+              <a:rPr lang="en-US" dirty="0" smtClean="0"/>
+              <a:t> commit message for all new and deleted files (</a:t>
+            </a:r>
+            <a:r>
+              <a:rPr lang="en-US" dirty="0" err="1" smtClean="0"/>
+              <a:t>git</a:t>
+            </a:r>
+            <a:r>
+              <a:rPr lang="en-US" dirty="0" smtClean="0"/>
+              <a:t> commit –</a:t>
+            </a:r>
+            <a:r>
+              <a:rPr lang="en-US" dirty="0" err="1" smtClean="0"/>
+              <a:t>f</a:t>
+            </a:r>
+            <a:r>
+              <a:rPr lang="en-US" dirty="0" smtClean="0"/>
+              <a:t> log/090212/foo.log path/to/files</a:t>
+            </a:r>
+            <a:r>
+              <a:rPr lang="en-US" dirty="0" smtClean="0"/>
+              <a:t>)</a:t>
+            </a:r>
+          </a:p>
+          <a:p>
+            <a:pPr lvl="1"/>
+            <a:r>
+              <a:rPr lang="en-US" dirty="0" smtClean="0"/>
+              <a:t>Automatically email STDOUT and STDERR logs to you when errors are encountered (non-zero exit statuses, missing expected data, etc.)</a:t>
+            </a:r>
+          </a:p>
+          <a:p>
+            <a:pPr lvl="1"/>
+            <a:endParaRPr lang="en-US" dirty="0" smtClean="0"/>
+          </a:p>
+          <a:p>
+            <a:pPr>
+              <a:buNone/>
+            </a:pPr>
+            <a:r>
+              <a:rPr lang="en-US" dirty="0" smtClean="0"/>
+              <a:t>* these </a:t>
+            </a:r>
+            <a:r>
+              <a:rPr lang="en-US" dirty="0" smtClean="0"/>
+              <a:t>activities make up the data footprint of an </a:t>
+            </a:r>
+            <a:r>
+              <a:rPr lang="en-US" dirty="0" smtClean="0"/>
+              <a:t>analysis</a:t>
+            </a:r>
+          </a:p>
+          <a:p>
+            <a:pPr>
+              <a:buNone/>
+            </a:pPr>
+            <a:r>
+              <a:rPr lang="en-US" dirty="0" smtClean="0"/>
+              <a:t>** you did remember to version your scripts, right ;)</a:t>
+            </a:r>
+            <a:endParaRPr lang="en-US" dirty="0"/>
+          </a:p>
+        </p:txBody>
+      </p:sp>
+    </p:spTree>
+  </p:cSld>
+  <p:clrMapOvr>
+    <a:masterClrMapping/>
+  </p:clrMapOvr>
+</p:sld>
+</file>
+
+<file path=ppt/slides/slide7.xml><?xml version="1.0" encoding="utf-8"?>
 <p:sld xmlns:a="http://schemas.openxmlformats.org/drawingml/2006/main" xmlns:r="http://schemas.openxmlformats.org/officeDocument/2006/relationships" xmlns:mc="http://schemas.openxmlformats.org/markup-compatibility/2006" xmlns:mv="urn:schemas-microsoft-com:mac:vml" xmlns:p="http://schemas.openxmlformats.org/presentationml/2006/main" mc:Ignorable="mv" mc:PreserveAttributes="mv:*">
   <p:cSld>
     <p:spTree>

--- a/doc/slides/day3/session1/Workflows.pptx
+++ b/doc/slides/day3/session1/Workflows.pptx
@@ -5,7 +5,7 @@
     <p:sldMasterId id="2147483648" r:id="rId1"/>
   </p:sldMasterIdLst>
   <p:notesMasterIdLst>
-    <p:notesMasterId r:id="rId9"/>
+    <p:notesMasterId r:id="rId10"/>
   </p:notesMasterIdLst>
   <p:sldIdLst>
     <p:sldId id="256" r:id="rId2"/>
@@ -15,6 +15,7 @@
     <p:sldId id="260" r:id="rId6"/>
     <p:sldId id="261" r:id="rId7"/>
     <p:sldId id="259" r:id="rId8"/>
+    <p:sldId id="265" r:id="rId9"/>
   </p:sldIdLst>
   <p:sldSz cx="9144000" cy="6858000" type="screen4x3"/>
   <p:notesSz cx="6858000" cy="9144000"/>
@@ -199,7 +200,7 @@
             <a:fld id="{100D1066-83F9-5A48-AEC3-0F045DB8C0BC}" type="datetimeFigureOut">
               <a:rPr lang="en-US" smtClean="0"/>
               <a:pPr/>
-              <a:t>9/8/12</a:t>
+              <a:t>9/10/12</a:t>
             </a:fld>
             <a:endParaRPr lang="en-US"/>
           </a:p>
@@ -739,6 +740,88 @@
 </p:notes>
 </file>
 
+<file path=ppt/notesSlides/notesSlide4.xml><?xml version="1.0" encoding="utf-8"?>
+<p:notes xmlns:a="http://schemas.openxmlformats.org/drawingml/2006/main" xmlns:r="http://schemas.openxmlformats.org/officeDocument/2006/relationships" xmlns:mc="http://schemas.openxmlformats.org/markup-compatibility/2006" xmlns:mv="urn:schemas-microsoft-com:mac:vml" xmlns:p="http://schemas.openxmlformats.org/presentationml/2006/main" mc:Ignorable="mv" mc:PreserveAttributes="mv:*">
+  <p:cSld>
+    <p:spTree>
+      <p:nvGrpSpPr>
+        <p:cNvPr id="1" name=""/>
+        <p:cNvGrpSpPr/>
+        <p:nvPr/>
+      </p:nvGrpSpPr>
+      <p:grpSpPr>
+        <a:xfrm>
+          <a:off x="0" y="0"/>
+          <a:ext cx="0" cy="0"/>
+          <a:chOff x="0" y="0"/>
+          <a:chExt cx="0" cy="0"/>
+        </a:xfrm>
+      </p:grpSpPr>
+      <p:sp>
+        <p:nvSpPr>
+          <p:cNvPr id="2" name="Slide Image Placeholder 1"/>
+          <p:cNvSpPr>
+            <a:spLocks noGrp="1" noRot="1" noChangeAspect="1"/>
+          </p:cNvSpPr>
+          <p:nvPr>
+            <p:ph type="sldImg"/>
+          </p:nvPr>
+        </p:nvSpPr>
+        <p:spPr/>
+      </p:sp>
+      <p:sp>
+        <p:nvSpPr>
+          <p:cNvPr id="3" name="Notes Placeholder 2"/>
+          <p:cNvSpPr>
+            <a:spLocks noGrp="1"/>
+          </p:cNvSpPr>
+          <p:nvPr>
+            <p:ph type="body" idx="1"/>
+          </p:nvPr>
+        </p:nvSpPr>
+        <p:spPr/>
+        <p:txBody>
+          <a:bodyPr>
+            <a:normAutofit/>
+          </a:bodyPr>
+          <a:lstStyle/>
+          <a:p>
+            <a:endParaRPr lang="en-US" dirty="0"/>
+          </a:p>
+        </p:txBody>
+      </p:sp>
+      <p:sp>
+        <p:nvSpPr>
+          <p:cNvPr id="4" name="Slide Number Placeholder 3"/>
+          <p:cNvSpPr>
+            <a:spLocks noGrp="1"/>
+          </p:cNvSpPr>
+          <p:nvPr>
+            <p:ph type="sldNum" sz="quarter" idx="10"/>
+          </p:nvPr>
+        </p:nvSpPr>
+        <p:spPr/>
+        <p:txBody>
+          <a:bodyPr/>
+          <a:lstStyle/>
+          <a:p>
+            <a:fld id="{BD3AE5F8-5BBE-9040-829F-14E86114274F}" type="slidenum">
+              <a:rPr lang="en-US" smtClean="0"/>
+              <a:pPr/>
+              <a:t>6</a:t>
+            </a:fld>
+            <a:endParaRPr lang="en-US"/>
+          </a:p>
+        </p:txBody>
+      </p:sp>
+    </p:spTree>
+  </p:cSld>
+  <p:clrMapOvr>
+    <a:masterClrMapping/>
+  </p:clrMapOvr>
+</p:notes>
+</file>
+
 <file path=ppt/slideLayouts/slideLayout1.xml><?xml version="1.0" encoding="utf-8"?>
 <p:sldLayout xmlns:a="http://schemas.openxmlformats.org/drawingml/2006/main" xmlns:r="http://schemas.openxmlformats.org/officeDocument/2006/relationships" xmlns:mc="http://schemas.openxmlformats.org/markup-compatibility/2006" xmlns:mv="urn:schemas-microsoft-com:mac:vml" xmlns:p="http://schemas.openxmlformats.org/presentationml/2006/main" mc:Ignorable="mv" mc:PreserveAttributes="mv:*" type="title" preserve="1">
   <p:cSld name="Title Slide">
@@ -921,7 +1004,7 @@
             <a:fld id="{52237D32-0FFC-5843-A066-8EC42D88DFF1}" type="datetimeFigureOut">
               <a:rPr lang="en-US" smtClean="0"/>
               <a:pPr/>
-              <a:t>9/8/12</a:t>
+              <a:t>9/10/12</a:t>
             </a:fld>
             <a:endParaRPr lang="en-US"/>
           </a:p>
@@ -1088,7 +1171,7 @@
             <a:fld id="{52237D32-0FFC-5843-A066-8EC42D88DFF1}" type="datetimeFigureOut">
               <a:rPr lang="en-US" smtClean="0"/>
               <a:pPr/>
-              <a:t>9/8/12</a:t>
+              <a:t>9/10/12</a:t>
             </a:fld>
             <a:endParaRPr lang="en-US"/>
           </a:p>
@@ -1265,7 +1348,7 @@
             <a:fld id="{52237D32-0FFC-5843-A066-8EC42D88DFF1}" type="datetimeFigureOut">
               <a:rPr lang="en-US" smtClean="0"/>
               <a:pPr/>
-              <a:t>9/8/12</a:t>
+              <a:t>9/10/12</a:t>
             </a:fld>
             <a:endParaRPr lang="en-US"/>
           </a:p>
@@ -1432,7 +1515,7 @@
             <a:fld id="{52237D32-0FFC-5843-A066-8EC42D88DFF1}" type="datetimeFigureOut">
               <a:rPr lang="en-US" smtClean="0"/>
               <a:pPr/>
-              <a:t>9/8/12</a:t>
+              <a:t>9/10/12</a:t>
             </a:fld>
             <a:endParaRPr lang="en-US"/>
           </a:p>
@@ -1675,7 +1758,7 @@
             <a:fld id="{52237D32-0FFC-5843-A066-8EC42D88DFF1}" type="datetimeFigureOut">
               <a:rPr lang="en-US" smtClean="0"/>
               <a:pPr/>
-              <a:t>9/8/12</a:t>
+              <a:t>9/10/12</a:t>
             </a:fld>
             <a:endParaRPr lang="en-US"/>
           </a:p>
@@ -1960,7 +2043,7 @@
             <a:fld id="{52237D32-0FFC-5843-A066-8EC42D88DFF1}" type="datetimeFigureOut">
               <a:rPr lang="en-US" smtClean="0"/>
               <a:pPr/>
-              <a:t>9/8/12</a:t>
+              <a:t>9/10/12</a:t>
             </a:fld>
             <a:endParaRPr lang="en-US"/>
           </a:p>
@@ -2379,7 +2462,7 @@
             <a:fld id="{52237D32-0FFC-5843-A066-8EC42D88DFF1}" type="datetimeFigureOut">
               <a:rPr lang="en-US" smtClean="0"/>
               <a:pPr/>
-              <a:t>9/8/12</a:t>
+              <a:t>9/10/12</a:t>
             </a:fld>
             <a:endParaRPr lang="en-US"/>
           </a:p>
@@ -2494,7 +2577,7 @@
             <a:fld id="{52237D32-0FFC-5843-A066-8EC42D88DFF1}" type="datetimeFigureOut">
               <a:rPr lang="en-US" smtClean="0"/>
               <a:pPr/>
-              <a:t>9/8/12</a:t>
+              <a:t>9/10/12</a:t>
             </a:fld>
             <a:endParaRPr lang="en-US"/>
           </a:p>
@@ -2586,7 +2669,7 @@
             <a:fld id="{52237D32-0FFC-5843-A066-8EC42D88DFF1}" type="datetimeFigureOut">
               <a:rPr lang="en-US" smtClean="0"/>
               <a:pPr/>
-              <a:t>9/8/12</a:t>
+              <a:t>9/10/12</a:t>
             </a:fld>
             <a:endParaRPr lang="en-US"/>
           </a:p>
@@ -2860,7 +2943,7 @@
             <a:fld id="{52237D32-0FFC-5843-A066-8EC42D88DFF1}" type="datetimeFigureOut">
               <a:rPr lang="en-US" smtClean="0"/>
               <a:pPr/>
-              <a:t>9/8/12</a:t>
+              <a:t>9/10/12</a:t>
             </a:fld>
             <a:endParaRPr lang="en-US"/>
           </a:p>
@@ -3110,7 +3193,7 @@
             <a:fld id="{52237D32-0FFC-5843-A066-8EC42D88DFF1}" type="datetimeFigureOut">
               <a:rPr lang="en-US" smtClean="0"/>
               <a:pPr/>
-              <a:t>9/8/12</a:t>
+              <a:t>9/10/12</a:t>
             </a:fld>
             <a:endParaRPr lang="en-US"/>
           </a:p>
@@ -3320,7 +3403,7 @@
             <a:fld id="{52237D32-0FFC-5843-A066-8EC42D88DFF1}" type="datetimeFigureOut">
               <a:rPr lang="en-US" smtClean="0"/>
               <a:pPr/>
-              <a:t>9/8/12</a:t>
+              <a:t>9/10/12</a:t>
             </a:fld>
             <a:endParaRPr lang="en-US"/>
           </a:p>
@@ -3809,13 +3892,7 @@
               <a:rPr lang="en-US" dirty="0" smtClean="0">
                 <a:hlinkClick r:id="rId2"/>
               </a:rPr>
-              <a:t>http://en.wikipedia.org/wiki/</a:t>
-            </a:r>
-            <a:r>
-              <a:rPr lang="en-US" dirty="0" smtClean="0">
-                <a:hlinkClick r:id="rId2"/>
-              </a:rPr>
-              <a:t>Workflow</a:t>
+              <a:t>http://en.wikipedia.org/wiki/Workflow</a:t>
             </a:r>
             <a:endParaRPr lang="en-US" dirty="0" smtClean="0"/>
           </a:p>
@@ -3844,7 +3921,6 @@
               <a:rPr lang="en-US" dirty="0" smtClean="0"/>
               <a:t>tuning/tweaking</a:t>
             </a:r>
-            <a:endParaRPr lang="en-US" dirty="0" smtClean="0"/>
           </a:p>
           <a:p>
             <a:r>
@@ -3883,7 +3959,6 @@
               <a:rPr lang="en-US" dirty="0" smtClean="0"/>
               <a:t>Sometimes called a pipeline</a:t>
             </a:r>
-            <a:endParaRPr lang="en-US" dirty="0" smtClean="0"/>
           </a:p>
         </p:txBody>
       </p:sp>
@@ -3959,13 +4034,7 @@
               <a:rPr lang="en-US" dirty="0" smtClean="0">
                 <a:hlinkClick r:id="rId2"/>
               </a:rPr>
-              <a:t>http://dx.doi.org/10.1371/journal.pcbi.</a:t>
-            </a:r>
-            <a:r>
-              <a:rPr lang="en-US" dirty="0" smtClean="0">
-                <a:hlinkClick r:id="rId2"/>
-              </a:rPr>
-              <a:t>1000424</a:t>
+              <a:t>http://dx.doi.org/10.1371/journal.pcbi.1000424</a:t>
             </a:r>
             <a:endParaRPr lang="en-US" dirty="0" smtClean="0"/>
           </a:p>
@@ -4069,11 +4138,7 @@
             <a:pPr lvl="1"/>
             <a:r>
               <a:rPr lang="en-US" dirty="0" smtClean="0"/>
-              <a:t>P</a:t>
-            </a:r>
-            <a:r>
-              <a:rPr lang="en-US" dirty="0" smtClean="0"/>
-              <a:t>lace step into a script* as soon as you have defined it</a:t>
+              <a:t>Place step into a script* as soon as you have defined it</a:t>
             </a:r>
           </a:p>
           <a:p>
@@ -4087,38 +4152,14 @@
             <a:pPr lvl="1"/>
             <a:r>
               <a:rPr lang="en-US" dirty="0" smtClean="0"/>
-              <a:t>encode logic for skipping</a:t>
-            </a:r>
-            <a:r>
-              <a:rPr lang="en-US" dirty="0" smtClean="0"/>
-              <a:t> the step </a:t>
-            </a:r>
-            <a:r>
-              <a:rPr lang="en-US" dirty="0" smtClean="0"/>
-              <a:t>when</a:t>
-            </a:r>
-            <a:r>
-              <a:rPr lang="en-US" dirty="0" smtClean="0"/>
-              <a:t> it’s </a:t>
-            </a:r>
-            <a:r>
-              <a:rPr lang="en-US" dirty="0" smtClean="0"/>
-              <a:t>output is present and up to date</a:t>
+              <a:t>encode logic for skipping the step when it’s output is present and up to date</a:t>
             </a:r>
           </a:p>
           <a:p>
             <a:pPr lvl="1"/>
             <a:r>
               <a:rPr lang="en-US" dirty="0" smtClean="0"/>
-              <a:t>run </a:t>
-            </a:r>
-            <a:r>
-              <a:rPr lang="en-US" dirty="0" smtClean="0"/>
-              <a:t>the </a:t>
-            </a:r>
-            <a:r>
-              <a:rPr lang="en-US" dirty="0" smtClean="0"/>
-              <a:t>script</a:t>
+              <a:t>run the script</a:t>
             </a:r>
           </a:p>
           <a:p>
@@ -4234,56 +4275,19 @@
             </a:pPr>
             <a:r>
               <a:rPr lang="en-US" dirty="0" smtClean="0"/>
-              <a:t>aka: Research </a:t>
-            </a:r>
-            <a:r>
-              <a:rPr lang="en-US" dirty="0" smtClean="0"/>
-              <a:t>Data Provenance</a:t>
-            </a:r>
-          </a:p>
-          <a:p>
-            <a:r>
-              <a:rPr lang="en-US" dirty="0" smtClean="0"/>
-              <a:t>Process of </a:t>
-            </a:r>
-            <a:r>
-              <a:rPr lang="en-US" dirty="0" smtClean="0"/>
-              <a:t>marshalling input data </a:t>
-            </a:r>
-            <a:r>
-              <a:rPr lang="en-US" dirty="0" smtClean="0"/>
-              <a:t>from source (internal or external) through</a:t>
-            </a:r>
-            <a:r>
-              <a:rPr lang="en-US" dirty="0" smtClean="0"/>
-              <a:t> workflow </a:t>
-            </a:r>
-            <a:r>
-              <a:rPr lang="en-US" dirty="0" smtClean="0"/>
-              <a:t>should minimize human interaction/manipulation</a:t>
-            </a:r>
-            <a:endParaRPr lang="en-US" dirty="0" smtClean="0"/>
-          </a:p>
-          <a:p>
-            <a:r>
-              <a:rPr lang="en-US" dirty="0" smtClean="0"/>
-              <a:t>Workflows</a:t>
-            </a:r>
-            <a:r>
-              <a:rPr lang="en-US" dirty="0" smtClean="0"/>
-              <a:t> </a:t>
-            </a:r>
-            <a:r>
-              <a:rPr lang="en-US" dirty="0" smtClean="0"/>
-              <a:t>should </a:t>
-            </a:r>
-            <a:r>
-              <a:rPr lang="en-US" dirty="0" smtClean="0"/>
-              <a:t>maximize the </a:t>
-            </a:r>
-            <a:r>
-              <a:rPr lang="en-US" dirty="0" smtClean="0"/>
-              <a:t>capture of information about data files, and analysis scripts/programs:</a:t>
+              <a:t>aka: Research Data Provenance</a:t>
+            </a:r>
+          </a:p>
+          <a:p>
+            <a:r>
+              <a:rPr lang="en-US" dirty="0" smtClean="0"/>
+              <a:t>Process of marshalling input data from source (internal or external) through workflow should minimize human interaction/manipulation</a:t>
+            </a:r>
+          </a:p>
+          <a:p>
+            <a:r>
+              <a:rPr lang="en-US" dirty="0" smtClean="0"/>
+              <a:t>Workflows should maximize the capture of information about data files, and analysis scripts/programs:</a:t>
             </a:r>
           </a:p>
           <a:p>
@@ -4387,15 +4391,7 @@
           <a:p>
             <a:r>
               <a:rPr lang="en-US" dirty="0" smtClean="0"/>
-              <a:t>Modification to Project</a:t>
-            </a:r>
-            <a:r>
-              <a:rPr lang="en-US" dirty="0" smtClean="0"/>
-              <a:t> Directory Structure</a:t>
-            </a:r>
-            <a:r>
-              <a:rPr lang="en-US" dirty="0" smtClean="0"/>
-              <a:t>	</a:t>
+              <a:t>Modification to Project Directory Structure	</a:t>
             </a:r>
             <a:endParaRPr lang="en-US" dirty="0"/>
           </a:p>
@@ -4434,11 +4430,7 @@
           <a:p>
             <a:r>
               <a:rPr lang="en-US" dirty="0" smtClean="0"/>
-              <a:t>Modify</a:t>
-            </a:r>
-            <a:r>
-              <a:rPr lang="en-US" dirty="0" smtClean="0"/>
-              <a:t> workflow </a:t>
+              <a:t>Modify workflow </a:t>
             </a:r>
             <a:r>
               <a:rPr lang="en-US" dirty="0" err="1" smtClean="0"/>
@@ -4453,42 +4445,30 @@
             <a:pPr lvl="1"/>
             <a:r>
               <a:rPr lang="en-US" dirty="0" smtClean="0"/>
-              <a:t>redirect STDOUT and STDERR to files </a:t>
-            </a:r>
-            <a:r>
-              <a:rPr lang="en-US" dirty="0" smtClean="0"/>
-              <a:t>in chronological subdirectory within </a:t>
-            </a:r>
-            <a:r>
-              <a:rPr lang="en-US" dirty="0" smtClean="0"/>
-              <a:t>log </a:t>
-            </a:r>
-            <a:r>
-              <a:rPr lang="en-US" dirty="0" smtClean="0"/>
-              <a:t>directory, </a:t>
-            </a:r>
-            <a:r>
-              <a:rPr lang="en-US" dirty="0" smtClean="0"/>
-              <a:t>named for the </a:t>
-            </a:r>
-            <a:r>
-              <a:rPr lang="en-US" dirty="0" smtClean="0"/>
-              <a:t>script and its unique process id (PID)</a:t>
+              <a:t>redirect STDOUT and STDERR to files in chronological subdirectory within log directory, named for the script and its unique process id (PID)</a:t>
             </a:r>
           </a:p>
           <a:p>
             <a:pPr lvl="1"/>
             <a:r>
               <a:rPr lang="en-US" dirty="0" smtClean="0"/>
-              <a:t>print date, start time, end time, and even</a:t>
-            </a:r>
-            <a:r>
-              <a:rPr lang="en-US" dirty="0" smtClean="0"/>
-              <a:t> total </a:t>
-            </a:r>
-            <a:r>
-              <a:rPr lang="en-US" dirty="0" smtClean="0"/>
-              <a:t>run time to STDOUT log </a:t>
+              <a:t>print date, start time, end </a:t>
+            </a:r>
+            <a:r>
+              <a:rPr lang="en-US" dirty="0" smtClean="0"/>
+              <a:t>time</a:t>
+            </a:r>
+            <a:r>
+              <a:rPr lang="en-US" dirty="0" smtClean="0"/>
+              <a:t> </a:t>
+            </a:r>
+            <a:r>
+              <a:rPr lang="en-US" dirty="0" smtClean="0"/>
+              <a:t>to </a:t>
+            </a:r>
+            <a:r>
+              <a:rPr lang="en-US" dirty="0" smtClean="0"/>
+              <a:t>STDOUT log </a:t>
             </a:r>
           </a:p>
           <a:p>
@@ -4503,15 +4483,7 @@
             </a:r>
             <a:r>
               <a:rPr lang="en-US" dirty="0" smtClean="0"/>
-              <a:t> and </a:t>
-            </a:r>
-            <a:r>
-              <a:rPr lang="en-US" dirty="0" smtClean="0"/>
-              <a:t>version** </a:t>
-            </a:r>
-            <a:r>
-              <a:rPr lang="en-US" dirty="0" smtClean="0"/>
-              <a:t>of themselves in STDOUT log</a:t>
+              <a:t> and version** of themselves in STDOUT log</a:t>
             </a:r>
           </a:p>
           <a:p>
@@ -4593,9 +4565,32 @@
             </a:r>
             <a:r>
               <a:rPr lang="en-US" dirty="0" smtClean="0"/>
-              <a:t> add/commit all new files, all deleted files, and the STDOUT log file immediately before exiting</a:t>
-            </a:r>
-            <a:endParaRPr lang="en-US" dirty="0" smtClean="0"/>
+              <a:t> add/commit all new</a:t>
+            </a:r>
+            <a:r>
+              <a:rPr lang="en-US" dirty="0" smtClean="0"/>
+              <a:t> result files</a:t>
+            </a:r>
+            <a:r>
+              <a:rPr lang="en-US" dirty="0" smtClean="0"/>
+              <a:t>, </a:t>
+            </a:r>
+            <a:r>
+              <a:rPr lang="en-US" dirty="0" smtClean="0"/>
+              <a:t>all</a:t>
+            </a:r>
+            <a:r>
+              <a:rPr lang="en-US" dirty="0" smtClean="0"/>
+              <a:t> previously committed result files removed from the repository itself</a:t>
+            </a:r>
+            <a:r>
+              <a:rPr lang="en-US" dirty="0" smtClean="0"/>
+              <a:t>, </a:t>
+            </a:r>
+            <a:r>
+              <a:rPr lang="en-US" dirty="0" smtClean="0"/>
+              <a:t>and the STDOUT log file immediately before exiting</a:t>
+            </a:r>
           </a:p>
           <a:p>
             <a:r>
@@ -4631,11 +4626,7 @@
             </a:r>
             <a:r>
               <a:rPr lang="en-US" dirty="0" smtClean="0"/>
-              <a:t> log/090212/foo.log path/to/files</a:t>
-            </a:r>
-            <a:r>
-              <a:rPr lang="en-US" dirty="0" smtClean="0"/>
-              <a:t>)</a:t>
+              <a:t> log/090212/foo.log path/to/files)</a:t>
             </a:r>
           </a:p>
           <a:p>
@@ -4655,15 +4646,7 @@
             </a:pPr>
             <a:r>
               <a:rPr lang="en-US" dirty="0" smtClean="0"/>
-              <a:t>* these </a:t>
-            </a:r>
-            <a:r>
-              <a:rPr lang="en-US" dirty="0" smtClean="0"/>
-              <a:t>activities make up the data footprint of an </a:t>
-            </a:r>
-            <a:r>
-              <a:rPr lang="en-US" dirty="0" smtClean="0"/>
-              <a:t>analysis</a:t>
+              <a:t>* these activities make up the data footprint of an analysis</a:t>
             </a:r>
           </a:p>
           <a:p>
@@ -4773,6 +4756,124 @@
               <a:buNone/>
             </a:pPr>
             <a:endParaRPr lang="en-US" dirty="0"/>
+          </a:p>
+        </p:txBody>
+      </p:sp>
+    </p:spTree>
+  </p:cSld>
+  <p:clrMapOvr>
+    <a:masterClrMapping/>
+  </p:clrMapOvr>
+</p:sld>
+</file>
+
+<file path=ppt/slides/slide8.xml><?xml version="1.0" encoding="utf-8"?>
+<p:sld xmlns:a="http://schemas.openxmlformats.org/drawingml/2006/main" xmlns:r="http://schemas.openxmlformats.org/officeDocument/2006/relationships" xmlns:mc="http://schemas.openxmlformats.org/markup-compatibility/2006" xmlns:mv="urn:schemas-microsoft-com:mac:vml" xmlns:p="http://schemas.openxmlformats.org/presentationml/2006/main" mc:Ignorable="mv" mc:PreserveAttributes="mv:*">
+  <p:cSld>
+    <p:spTree>
+      <p:nvGrpSpPr>
+        <p:cNvPr id="1" name=""/>
+        <p:cNvGrpSpPr/>
+        <p:nvPr/>
+      </p:nvGrpSpPr>
+      <p:grpSpPr>
+        <a:xfrm>
+          <a:off x="0" y="0"/>
+          <a:ext cx="0" cy="0"/>
+          <a:chOff x="0" y="0"/>
+          <a:chExt cx="0" cy="0"/>
+        </a:xfrm>
+      </p:grpSpPr>
+      <p:sp>
+        <p:nvSpPr>
+          <p:cNvPr id="2" name="Title 1"/>
+          <p:cNvSpPr>
+            <a:spLocks noGrp="1"/>
+          </p:cNvSpPr>
+          <p:nvPr>
+            <p:ph type="title"/>
+          </p:nvPr>
+        </p:nvSpPr>
+        <p:spPr/>
+        <p:txBody>
+          <a:bodyPr/>
+          <a:lstStyle/>
+          <a:p>
+            <a:r>
+              <a:rPr lang="en-US" dirty="0" smtClean="0"/>
+              <a:t>Answer</a:t>
+            </a:r>
+            <a:endParaRPr lang="en-US" dirty="0"/>
+          </a:p>
+        </p:txBody>
+      </p:sp>
+      <p:sp>
+        <p:nvSpPr>
+          <p:cNvPr id="3" name="Content Placeholder 2"/>
+          <p:cNvSpPr>
+            <a:spLocks noGrp="1"/>
+          </p:cNvSpPr>
+          <p:nvPr>
+            <p:ph idx="1"/>
+          </p:nvPr>
+        </p:nvSpPr>
+        <p:spPr/>
+        <p:txBody>
+          <a:bodyPr/>
+          <a:lstStyle/>
+          <a:p>
+            <a:r>
+              <a:rPr lang="en-US" dirty="0" err="1" smtClean="0"/>
+              <a:t>git</a:t>
+            </a:r>
+            <a:r>
+              <a:rPr lang="en-US" dirty="0" smtClean="0"/>
+              <a:t> checkout –</a:t>
+            </a:r>
+            <a:r>
+              <a:rPr lang="en-US" dirty="0" err="1" smtClean="0"/>
+              <a:t>b</a:t>
+            </a:r>
+            <a:r>
+              <a:rPr lang="en-US" dirty="0" smtClean="0"/>
+              <a:t> answers_d3s1 origin/answers_d3s1</a:t>
+            </a:r>
+          </a:p>
+          <a:p>
+            <a:r>
+              <a:rPr lang="en-US" dirty="0" smtClean="0"/>
+              <a:t>edit </a:t>
+            </a:r>
+            <a:r>
+              <a:rPr lang="en-US" dirty="0" err="1" smtClean="0"/>
+              <a:t>src/Plasmodium.sh</a:t>
+            </a:r>
+            <a:endParaRPr lang="en-US" dirty="0" smtClean="0"/>
+          </a:p>
+          <a:p>
+            <a:r>
+              <a:rPr lang="en-US" dirty="0" smtClean="0"/>
+              <a:t>edit/run </a:t>
+            </a:r>
+            <a:r>
+              <a:rPr lang="en-US" dirty="0" err="1" smtClean="0"/>
+              <a:t>src/Plasmodium_wrapper.sh</a:t>
+            </a:r>
+            <a:endParaRPr lang="en-US" dirty="0" smtClean="0"/>
+          </a:p>
+          <a:p>
+            <a:r>
+              <a:rPr lang="en-US" dirty="0" err="1" smtClean="0"/>
+              <a:t>git</a:t>
+            </a:r>
+            <a:r>
+              <a:rPr lang="en-US" dirty="0" smtClean="0"/>
+              <a:t> </a:t>
+            </a:r>
+            <a:r>
+              <a:rPr lang="en-US" smtClean="0"/>
+              <a:t>checkout master</a:t>
+            </a:r>
           </a:p>
         </p:txBody>
       </p:sp>

--- a/doc/slides/day3/session1/Workflows.pptx
+++ b/doc/slides/day3/session1/Workflows.pptx
@@ -200,7 +200,7 @@
             <a:fld id="{100D1066-83F9-5A48-AEC3-0F045DB8C0BC}" type="datetimeFigureOut">
               <a:rPr lang="en-US" smtClean="0"/>
               <a:pPr/>
-              <a:t>9/10/12</a:t>
+              <a:t>9/11/12</a:t>
             </a:fld>
             <a:endParaRPr lang="en-US"/>
           </a:p>
@@ -1004,7 +1004,7 @@
             <a:fld id="{52237D32-0FFC-5843-A066-8EC42D88DFF1}" type="datetimeFigureOut">
               <a:rPr lang="en-US" smtClean="0"/>
               <a:pPr/>
-              <a:t>9/10/12</a:t>
+              <a:t>9/11/12</a:t>
             </a:fld>
             <a:endParaRPr lang="en-US"/>
           </a:p>
@@ -1171,7 +1171,7 @@
             <a:fld id="{52237D32-0FFC-5843-A066-8EC42D88DFF1}" type="datetimeFigureOut">
               <a:rPr lang="en-US" smtClean="0"/>
               <a:pPr/>
-              <a:t>9/10/12</a:t>
+              <a:t>9/11/12</a:t>
             </a:fld>
             <a:endParaRPr lang="en-US"/>
           </a:p>
@@ -1348,7 +1348,7 @@
             <a:fld id="{52237D32-0FFC-5843-A066-8EC42D88DFF1}" type="datetimeFigureOut">
               <a:rPr lang="en-US" smtClean="0"/>
               <a:pPr/>
-              <a:t>9/10/12</a:t>
+              <a:t>9/11/12</a:t>
             </a:fld>
             <a:endParaRPr lang="en-US"/>
           </a:p>
@@ -1515,7 +1515,7 @@
             <a:fld id="{52237D32-0FFC-5843-A066-8EC42D88DFF1}" type="datetimeFigureOut">
               <a:rPr lang="en-US" smtClean="0"/>
               <a:pPr/>
-              <a:t>9/10/12</a:t>
+              <a:t>9/11/12</a:t>
             </a:fld>
             <a:endParaRPr lang="en-US"/>
           </a:p>
@@ -1758,7 +1758,7 @@
             <a:fld id="{52237D32-0FFC-5843-A066-8EC42D88DFF1}" type="datetimeFigureOut">
               <a:rPr lang="en-US" smtClean="0"/>
               <a:pPr/>
-              <a:t>9/10/12</a:t>
+              <a:t>9/11/12</a:t>
             </a:fld>
             <a:endParaRPr lang="en-US"/>
           </a:p>
@@ -2043,7 +2043,7 @@
             <a:fld id="{52237D32-0FFC-5843-A066-8EC42D88DFF1}" type="datetimeFigureOut">
               <a:rPr lang="en-US" smtClean="0"/>
               <a:pPr/>
-              <a:t>9/10/12</a:t>
+              <a:t>9/11/12</a:t>
             </a:fld>
             <a:endParaRPr lang="en-US"/>
           </a:p>
@@ -2462,7 +2462,7 @@
             <a:fld id="{52237D32-0FFC-5843-A066-8EC42D88DFF1}" type="datetimeFigureOut">
               <a:rPr lang="en-US" smtClean="0"/>
               <a:pPr/>
-              <a:t>9/10/12</a:t>
+              <a:t>9/11/12</a:t>
             </a:fld>
             <a:endParaRPr lang="en-US"/>
           </a:p>
@@ -2577,7 +2577,7 @@
             <a:fld id="{52237D32-0FFC-5843-A066-8EC42D88DFF1}" type="datetimeFigureOut">
               <a:rPr lang="en-US" smtClean="0"/>
               <a:pPr/>
-              <a:t>9/10/12</a:t>
+              <a:t>9/11/12</a:t>
             </a:fld>
             <a:endParaRPr lang="en-US"/>
           </a:p>
@@ -2669,7 +2669,7 @@
             <a:fld id="{52237D32-0FFC-5843-A066-8EC42D88DFF1}" type="datetimeFigureOut">
               <a:rPr lang="en-US" smtClean="0"/>
               <a:pPr/>
-              <a:t>9/10/12</a:t>
+              <a:t>9/11/12</a:t>
             </a:fld>
             <a:endParaRPr lang="en-US"/>
           </a:p>
@@ -2943,7 +2943,7 @@
             <a:fld id="{52237D32-0FFC-5843-A066-8EC42D88DFF1}" type="datetimeFigureOut">
               <a:rPr lang="en-US" smtClean="0"/>
               <a:pPr/>
-              <a:t>9/10/12</a:t>
+              <a:t>9/11/12</a:t>
             </a:fld>
             <a:endParaRPr lang="en-US"/>
           </a:p>
@@ -3193,7 +3193,7 @@
             <a:fld id="{52237D32-0FFC-5843-A066-8EC42D88DFF1}" type="datetimeFigureOut">
               <a:rPr lang="en-US" smtClean="0"/>
               <a:pPr/>
-              <a:t>9/10/12</a:t>
+              <a:t>9/11/12</a:t>
             </a:fld>
             <a:endParaRPr lang="en-US"/>
           </a:p>
@@ -3403,7 +3403,7 @@
             <a:fld id="{52237D32-0FFC-5843-A066-8EC42D88DFF1}" type="datetimeFigureOut">
               <a:rPr lang="en-US" smtClean="0"/>
               <a:pPr/>
-              <a:t>9/10/12</a:t>
+              <a:t>9/11/12</a:t>
             </a:fld>
             <a:endParaRPr lang="en-US"/>
           </a:p>
@@ -4452,23 +4452,7 @@
             <a:pPr lvl="1"/>
             <a:r>
               <a:rPr lang="en-US" dirty="0" smtClean="0"/>
-              <a:t>print date, start time, end </a:t>
-            </a:r>
-            <a:r>
-              <a:rPr lang="en-US" dirty="0" smtClean="0"/>
-              <a:t>time</a:t>
-            </a:r>
-            <a:r>
-              <a:rPr lang="en-US" dirty="0" smtClean="0"/>
-              <a:t> </a:t>
-            </a:r>
-            <a:r>
-              <a:rPr lang="en-US" dirty="0" smtClean="0"/>
-              <a:t>to </a:t>
-            </a:r>
-            <a:r>
-              <a:rPr lang="en-US" dirty="0" smtClean="0"/>
-              <a:t>STDOUT log </a:t>
+              <a:t>print date, start time, end time to STDOUT log </a:t>
             </a:r>
           </a:p>
           <a:p>
@@ -4565,31 +4549,7 @@
             </a:r>
             <a:r>
               <a:rPr lang="en-US" dirty="0" smtClean="0"/>
-              <a:t> add/commit all new</a:t>
-            </a:r>
-            <a:r>
-              <a:rPr lang="en-US" dirty="0" smtClean="0"/>
-              <a:t> result files</a:t>
-            </a:r>
-            <a:r>
-              <a:rPr lang="en-US" dirty="0" smtClean="0"/>
-              <a:t>, </a:t>
-            </a:r>
-            <a:r>
-              <a:rPr lang="en-US" dirty="0" smtClean="0"/>
-              <a:t>all</a:t>
-            </a:r>
-            <a:r>
-              <a:rPr lang="en-US" dirty="0" smtClean="0"/>
-              <a:t> previously committed result files removed from the repository itself</a:t>
-            </a:r>
-            <a:r>
-              <a:rPr lang="en-US" dirty="0" smtClean="0"/>
-              <a:t>, </a:t>
-            </a:r>
-            <a:r>
-              <a:rPr lang="en-US" dirty="0" smtClean="0"/>
-              <a:t>and the STDOUT log file immediately before exiting</a:t>
+              <a:t> add/commit all new result files, all previously committed result files removed from the repository itself, and the STDOUT log file immediately before exiting</a:t>
             </a:r>
           </a:p>
           <a:p>
@@ -4857,9 +4817,24 @@
             </a:r>
             <a:r>
               <a:rPr lang="en-US" dirty="0" err="1" smtClean="0"/>
-              <a:t>src/Plasmodium_wrapper.sh</a:t>
+              <a:t>src/</a:t>
+            </a:r>
+            <a:r>
+              <a:rPr lang="en-US" dirty="0" err="1" smtClean="0"/>
+              <a:t>Plasmodium_wrapper.sh</a:t>
             </a:r>
             <a:endParaRPr lang="en-US" dirty="0" smtClean="0"/>
+          </a:p>
+          <a:p>
+            <a:r>
+              <a:rPr lang="en-US" dirty="0" smtClean="0"/>
+              <a:t>examine the log and results directories </a:t>
+            </a:r>
+            <a:r>
+              <a:rPr lang="en-US" smtClean="0"/>
+              <a:t>and subdirectories</a:t>
+            </a:r>
+            <a:endParaRPr lang="en-US" smtClean="0"/>
           </a:p>
           <a:p>
             <a:r>
@@ -4868,11 +4843,7 @@
             </a:r>
             <a:r>
               <a:rPr lang="en-US" dirty="0" smtClean="0"/>
-              <a:t> </a:t>
-            </a:r>
-            <a:r>
-              <a:rPr lang="en-US" smtClean="0"/>
-              <a:t>checkout master</a:t>
+              <a:t> checkout master</a:t>
             </a:r>
           </a:p>
         </p:txBody>

--- a/doc/slides/day3/session1/Workflows.pptx
+++ b/doc/slides/day3/session1/Workflows.pptx
@@ -200,7 +200,7 @@
             <a:fld id="{100D1066-83F9-5A48-AEC3-0F045DB8C0BC}" type="datetimeFigureOut">
               <a:rPr lang="en-US" smtClean="0"/>
               <a:pPr/>
-              <a:t>9/11/12</a:t>
+              <a:t>9/12/12</a:t>
             </a:fld>
             <a:endParaRPr lang="en-US"/>
           </a:p>
@@ -1004,7 +1004,7 @@
             <a:fld id="{52237D32-0FFC-5843-A066-8EC42D88DFF1}" type="datetimeFigureOut">
               <a:rPr lang="en-US" smtClean="0"/>
               <a:pPr/>
-              <a:t>9/11/12</a:t>
+              <a:t>9/12/12</a:t>
             </a:fld>
             <a:endParaRPr lang="en-US"/>
           </a:p>
@@ -1171,7 +1171,7 @@
             <a:fld id="{52237D32-0FFC-5843-A066-8EC42D88DFF1}" type="datetimeFigureOut">
               <a:rPr lang="en-US" smtClean="0"/>
               <a:pPr/>
-              <a:t>9/11/12</a:t>
+              <a:t>9/12/12</a:t>
             </a:fld>
             <a:endParaRPr lang="en-US"/>
           </a:p>
@@ -1348,7 +1348,7 @@
             <a:fld id="{52237D32-0FFC-5843-A066-8EC42D88DFF1}" type="datetimeFigureOut">
               <a:rPr lang="en-US" smtClean="0"/>
               <a:pPr/>
-              <a:t>9/11/12</a:t>
+              <a:t>9/12/12</a:t>
             </a:fld>
             <a:endParaRPr lang="en-US"/>
           </a:p>
@@ -1515,7 +1515,7 @@
             <a:fld id="{52237D32-0FFC-5843-A066-8EC42D88DFF1}" type="datetimeFigureOut">
               <a:rPr lang="en-US" smtClean="0"/>
               <a:pPr/>
-              <a:t>9/11/12</a:t>
+              <a:t>9/12/12</a:t>
             </a:fld>
             <a:endParaRPr lang="en-US"/>
           </a:p>
@@ -1758,7 +1758,7 @@
             <a:fld id="{52237D32-0FFC-5843-A066-8EC42D88DFF1}" type="datetimeFigureOut">
               <a:rPr lang="en-US" smtClean="0"/>
               <a:pPr/>
-              <a:t>9/11/12</a:t>
+              <a:t>9/12/12</a:t>
             </a:fld>
             <a:endParaRPr lang="en-US"/>
           </a:p>
@@ -2043,7 +2043,7 @@
             <a:fld id="{52237D32-0FFC-5843-A066-8EC42D88DFF1}" type="datetimeFigureOut">
               <a:rPr lang="en-US" smtClean="0"/>
               <a:pPr/>
-              <a:t>9/11/12</a:t>
+              <a:t>9/12/12</a:t>
             </a:fld>
             <a:endParaRPr lang="en-US"/>
           </a:p>
@@ -2462,7 +2462,7 @@
             <a:fld id="{52237D32-0FFC-5843-A066-8EC42D88DFF1}" type="datetimeFigureOut">
               <a:rPr lang="en-US" smtClean="0"/>
               <a:pPr/>
-              <a:t>9/11/12</a:t>
+              <a:t>9/12/12</a:t>
             </a:fld>
             <a:endParaRPr lang="en-US"/>
           </a:p>
@@ -2577,7 +2577,7 @@
             <a:fld id="{52237D32-0FFC-5843-A066-8EC42D88DFF1}" type="datetimeFigureOut">
               <a:rPr lang="en-US" smtClean="0"/>
               <a:pPr/>
-              <a:t>9/11/12</a:t>
+              <a:t>9/12/12</a:t>
             </a:fld>
             <a:endParaRPr lang="en-US"/>
           </a:p>
@@ -2669,7 +2669,7 @@
             <a:fld id="{52237D32-0FFC-5843-A066-8EC42D88DFF1}" type="datetimeFigureOut">
               <a:rPr lang="en-US" smtClean="0"/>
               <a:pPr/>
-              <a:t>9/11/12</a:t>
+              <a:t>9/12/12</a:t>
             </a:fld>
             <a:endParaRPr lang="en-US"/>
           </a:p>
@@ -2943,7 +2943,7 @@
             <a:fld id="{52237D32-0FFC-5843-A066-8EC42D88DFF1}" type="datetimeFigureOut">
               <a:rPr lang="en-US" smtClean="0"/>
               <a:pPr/>
-              <a:t>9/11/12</a:t>
+              <a:t>9/12/12</a:t>
             </a:fld>
             <a:endParaRPr lang="en-US"/>
           </a:p>
@@ -3193,7 +3193,7 @@
             <a:fld id="{52237D32-0FFC-5843-A066-8EC42D88DFF1}" type="datetimeFigureOut">
               <a:rPr lang="en-US" smtClean="0"/>
               <a:pPr/>
-              <a:t>9/11/12</a:t>
+              <a:t>9/12/12</a:t>
             </a:fld>
             <a:endParaRPr lang="en-US"/>
           </a:p>
@@ -3403,7 +3403,7 @@
             <a:fld id="{52237D32-0FFC-5843-A066-8EC42D88DFF1}" type="datetimeFigureOut">
               <a:rPr lang="en-US" smtClean="0"/>
               <a:pPr/>
-              <a:t>9/11/12</a:t>
+              <a:t>9/12/12</a:t>
             </a:fld>
             <a:endParaRPr lang="en-US"/>
           </a:p>
@@ -4788,53 +4788,65 @@
             </a:r>
             <a:r>
               <a:rPr lang="en-US" dirty="0" smtClean="0"/>
-              <a:t> checkout –</a:t>
+              <a:t> checkout</a:t>
+            </a:r>
+            <a:r>
+              <a:rPr lang="en-US" dirty="0" smtClean="0"/>
+              <a:t> answers_d3s1 </a:t>
             </a:r>
             <a:r>
               <a:rPr lang="en-US" dirty="0" err="1" smtClean="0"/>
-              <a:t>b</a:t>
-            </a:r>
-            <a:r>
-              <a:rPr lang="en-US" dirty="0" smtClean="0"/>
-              <a:t> answers_d3s1 origin/answers_d3s1</a:t>
-            </a:r>
-          </a:p>
-          <a:p>
-            <a:r>
-              <a:rPr lang="en-US" dirty="0" smtClean="0"/>
-              <a:t>edit </a:t>
+              <a:t>src</a:t>
             </a:r>
             <a:r>
               <a:rPr lang="en-US" dirty="0" err="1" smtClean="0"/>
-              <a:t>src/Plasmodium.sh</a:t>
+              <a:t>/Plasmodium.sh</a:t>
             </a:r>
             <a:endParaRPr lang="en-US" dirty="0" smtClean="0"/>
           </a:p>
           <a:p>
             <a:r>
-              <a:rPr lang="en-US" dirty="0" smtClean="0"/>
-              <a:t>edit/run </a:t>
-            </a:r>
-            <a:r>
               <a:rPr lang="en-US" dirty="0" err="1" smtClean="0"/>
-              <a:t>src/</a:t>
+              <a:t>git</a:t>
+            </a:r>
+            <a:r>
+              <a:rPr lang="en-US" dirty="0" smtClean="0"/>
+              <a:t> checkout answers_d3s1 </a:t>
             </a:r>
             <a:r>
               <a:rPr lang="en-US" dirty="0" err="1" smtClean="0"/>
+              <a:t>src</a:t>
+            </a:r>
+            <a:r>
+              <a:rPr lang="en-US" err="1" smtClean="0"/>
+              <a:t>/</a:t>
+            </a:r>
+            <a:r>
+              <a:rPr lang="en-US" smtClean="0"/>
               <a:t>Plasmodium_wrapper.sh</a:t>
             </a:r>
+            <a:endParaRPr lang="en-US" smtClean="0"/>
+          </a:p>
+          <a:p>
+            <a:r>
+              <a:rPr lang="en-US" dirty="0" smtClean="0"/>
+              <a:t>edit</a:t>
+            </a:r>
+            <a:r>
+              <a:rPr lang="en-US" dirty="0" smtClean="0"/>
+              <a:t>/run </a:t>
+            </a:r>
+            <a:r>
+              <a:rPr lang="en-US" dirty="0" err="1" smtClean="0"/>
+              <a:t>src/Plasmodium_wrapper.sh</a:t>
+            </a:r>
             <a:endParaRPr lang="en-US" dirty="0" smtClean="0"/>
           </a:p>
           <a:p>
             <a:r>
               <a:rPr lang="en-US" dirty="0" smtClean="0"/>
-              <a:t>examine the log and results directories </a:t>
-            </a:r>
-            <a:r>
-              <a:rPr lang="en-US" smtClean="0"/>
-              <a:t>and subdirectories</a:t>
-            </a:r>
-            <a:endParaRPr lang="en-US" smtClean="0"/>
+              <a:t>examine the log and results directories and subdirectories</a:t>
+            </a:r>
           </a:p>
           <a:p>
             <a:r>

--- a/doc/slides/day3/session1/Workflows.pptx
+++ b/doc/slides/day3/session1/Workflows.pptx
@@ -5,7 +5,7 @@
     <p:sldMasterId id="2147483648" r:id="rId1"/>
   </p:sldMasterIdLst>
   <p:notesMasterIdLst>
-    <p:notesMasterId r:id="rId10"/>
+    <p:notesMasterId r:id="rId9"/>
   </p:notesMasterIdLst>
   <p:sldIdLst>
     <p:sldId id="256" r:id="rId2"/>
@@ -15,7 +15,6 @@
     <p:sldId id="260" r:id="rId6"/>
     <p:sldId id="261" r:id="rId7"/>
     <p:sldId id="259" r:id="rId8"/>
-    <p:sldId id="265" r:id="rId9"/>
   </p:sldIdLst>
   <p:sldSz cx="9144000" cy="6858000" type="screen4x3"/>
   <p:notesSz cx="6858000" cy="9144000"/>
@@ -200,7 +199,7 @@
             <a:fld id="{100D1066-83F9-5A48-AEC3-0F045DB8C0BC}" type="datetimeFigureOut">
               <a:rPr lang="en-US" smtClean="0"/>
               <a:pPr/>
-              <a:t>9/11/12</a:t>
+              <a:t>9/8/12</a:t>
             </a:fld>
             <a:endParaRPr lang="en-US"/>
           </a:p>
@@ -740,88 +739,6 @@
 </p:notes>
 </file>
 
-<file path=ppt/notesSlides/notesSlide4.xml><?xml version="1.0" encoding="utf-8"?>
-<p:notes xmlns:a="http://schemas.openxmlformats.org/drawingml/2006/main" xmlns:r="http://schemas.openxmlformats.org/officeDocument/2006/relationships" xmlns:mc="http://schemas.openxmlformats.org/markup-compatibility/2006" xmlns:mv="urn:schemas-microsoft-com:mac:vml" xmlns:p="http://schemas.openxmlformats.org/presentationml/2006/main" mc:Ignorable="mv" mc:PreserveAttributes="mv:*">
-  <p:cSld>
-    <p:spTree>
-      <p:nvGrpSpPr>
-        <p:cNvPr id="1" name=""/>
-        <p:cNvGrpSpPr/>
-        <p:nvPr/>
-      </p:nvGrpSpPr>
-      <p:grpSpPr>
-        <a:xfrm>
-          <a:off x="0" y="0"/>
-          <a:ext cx="0" cy="0"/>
-          <a:chOff x="0" y="0"/>
-          <a:chExt cx="0" cy="0"/>
-        </a:xfrm>
-      </p:grpSpPr>
-      <p:sp>
-        <p:nvSpPr>
-          <p:cNvPr id="2" name="Slide Image Placeholder 1"/>
-          <p:cNvSpPr>
-            <a:spLocks noGrp="1" noRot="1" noChangeAspect="1"/>
-          </p:cNvSpPr>
-          <p:nvPr>
-            <p:ph type="sldImg"/>
-          </p:nvPr>
-        </p:nvSpPr>
-        <p:spPr/>
-      </p:sp>
-      <p:sp>
-        <p:nvSpPr>
-          <p:cNvPr id="3" name="Notes Placeholder 2"/>
-          <p:cNvSpPr>
-            <a:spLocks noGrp="1"/>
-          </p:cNvSpPr>
-          <p:nvPr>
-            <p:ph type="body" idx="1"/>
-          </p:nvPr>
-        </p:nvSpPr>
-        <p:spPr/>
-        <p:txBody>
-          <a:bodyPr>
-            <a:normAutofit/>
-          </a:bodyPr>
-          <a:lstStyle/>
-          <a:p>
-            <a:endParaRPr lang="en-US" dirty="0"/>
-          </a:p>
-        </p:txBody>
-      </p:sp>
-      <p:sp>
-        <p:nvSpPr>
-          <p:cNvPr id="4" name="Slide Number Placeholder 3"/>
-          <p:cNvSpPr>
-            <a:spLocks noGrp="1"/>
-          </p:cNvSpPr>
-          <p:nvPr>
-            <p:ph type="sldNum" sz="quarter" idx="10"/>
-          </p:nvPr>
-        </p:nvSpPr>
-        <p:spPr/>
-        <p:txBody>
-          <a:bodyPr/>
-          <a:lstStyle/>
-          <a:p>
-            <a:fld id="{BD3AE5F8-5BBE-9040-829F-14E86114274F}" type="slidenum">
-              <a:rPr lang="en-US" smtClean="0"/>
-              <a:pPr/>
-              <a:t>6</a:t>
-            </a:fld>
-            <a:endParaRPr lang="en-US"/>
-          </a:p>
-        </p:txBody>
-      </p:sp>
-    </p:spTree>
-  </p:cSld>
-  <p:clrMapOvr>
-    <a:masterClrMapping/>
-  </p:clrMapOvr>
-</p:notes>
-</file>
-
 <file path=ppt/slideLayouts/slideLayout1.xml><?xml version="1.0" encoding="utf-8"?>
 <p:sldLayout xmlns:a="http://schemas.openxmlformats.org/drawingml/2006/main" xmlns:r="http://schemas.openxmlformats.org/officeDocument/2006/relationships" xmlns:mc="http://schemas.openxmlformats.org/markup-compatibility/2006" xmlns:mv="urn:schemas-microsoft-com:mac:vml" xmlns:p="http://schemas.openxmlformats.org/presentationml/2006/main" mc:Ignorable="mv" mc:PreserveAttributes="mv:*" type="title" preserve="1">
   <p:cSld name="Title Slide">
@@ -1004,7 +921,7 @@
             <a:fld id="{52237D32-0FFC-5843-A066-8EC42D88DFF1}" type="datetimeFigureOut">
               <a:rPr lang="en-US" smtClean="0"/>
               <a:pPr/>
-              <a:t>9/11/12</a:t>
+              <a:t>9/8/12</a:t>
             </a:fld>
             <a:endParaRPr lang="en-US"/>
           </a:p>
@@ -1171,7 +1088,7 @@
             <a:fld id="{52237D32-0FFC-5843-A066-8EC42D88DFF1}" type="datetimeFigureOut">
               <a:rPr lang="en-US" smtClean="0"/>
               <a:pPr/>
-              <a:t>9/11/12</a:t>
+              <a:t>9/8/12</a:t>
             </a:fld>
             <a:endParaRPr lang="en-US"/>
           </a:p>
@@ -1348,7 +1265,7 @@
             <a:fld id="{52237D32-0FFC-5843-A066-8EC42D88DFF1}" type="datetimeFigureOut">
               <a:rPr lang="en-US" smtClean="0"/>
               <a:pPr/>
-              <a:t>9/11/12</a:t>
+              <a:t>9/8/12</a:t>
             </a:fld>
             <a:endParaRPr lang="en-US"/>
           </a:p>
@@ -1515,7 +1432,7 @@
             <a:fld id="{52237D32-0FFC-5843-A066-8EC42D88DFF1}" type="datetimeFigureOut">
               <a:rPr lang="en-US" smtClean="0"/>
               <a:pPr/>
-              <a:t>9/11/12</a:t>
+              <a:t>9/8/12</a:t>
             </a:fld>
             <a:endParaRPr lang="en-US"/>
           </a:p>
@@ -1758,7 +1675,7 @@
             <a:fld id="{52237D32-0FFC-5843-A066-8EC42D88DFF1}" type="datetimeFigureOut">
               <a:rPr lang="en-US" smtClean="0"/>
               <a:pPr/>
-              <a:t>9/11/12</a:t>
+              <a:t>9/8/12</a:t>
             </a:fld>
             <a:endParaRPr lang="en-US"/>
           </a:p>
@@ -2043,7 +1960,7 @@
             <a:fld id="{52237D32-0FFC-5843-A066-8EC42D88DFF1}" type="datetimeFigureOut">
               <a:rPr lang="en-US" smtClean="0"/>
               <a:pPr/>
-              <a:t>9/11/12</a:t>
+              <a:t>9/8/12</a:t>
             </a:fld>
             <a:endParaRPr lang="en-US"/>
           </a:p>
@@ -2462,7 +2379,7 @@
             <a:fld id="{52237D32-0FFC-5843-A066-8EC42D88DFF1}" type="datetimeFigureOut">
               <a:rPr lang="en-US" smtClean="0"/>
               <a:pPr/>
-              <a:t>9/11/12</a:t>
+              <a:t>9/8/12</a:t>
             </a:fld>
             <a:endParaRPr lang="en-US"/>
           </a:p>
@@ -2577,7 +2494,7 @@
             <a:fld id="{52237D32-0FFC-5843-A066-8EC42D88DFF1}" type="datetimeFigureOut">
               <a:rPr lang="en-US" smtClean="0"/>
               <a:pPr/>
-              <a:t>9/11/12</a:t>
+              <a:t>9/8/12</a:t>
             </a:fld>
             <a:endParaRPr lang="en-US"/>
           </a:p>
@@ -2669,7 +2586,7 @@
             <a:fld id="{52237D32-0FFC-5843-A066-8EC42D88DFF1}" type="datetimeFigureOut">
               <a:rPr lang="en-US" smtClean="0"/>
               <a:pPr/>
-              <a:t>9/11/12</a:t>
+              <a:t>9/8/12</a:t>
             </a:fld>
             <a:endParaRPr lang="en-US"/>
           </a:p>
@@ -2943,7 +2860,7 @@
             <a:fld id="{52237D32-0FFC-5843-A066-8EC42D88DFF1}" type="datetimeFigureOut">
               <a:rPr lang="en-US" smtClean="0"/>
               <a:pPr/>
-              <a:t>9/11/12</a:t>
+              <a:t>9/8/12</a:t>
             </a:fld>
             <a:endParaRPr lang="en-US"/>
           </a:p>
@@ -3193,7 +3110,7 @@
             <a:fld id="{52237D32-0FFC-5843-A066-8EC42D88DFF1}" type="datetimeFigureOut">
               <a:rPr lang="en-US" smtClean="0"/>
               <a:pPr/>
-              <a:t>9/11/12</a:t>
+              <a:t>9/8/12</a:t>
             </a:fld>
             <a:endParaRPr lang="en-US"/>
           </a:p>
@@ -3403,7 +3320,7 @@
             <a:fld id="{52237D32-0FFC-5843-A066-8EC42D88DFF1}" type="datetimeFigureOut">
               <a:rPr lang="en-US" smtClean="0"/>
               <a:pPr/>
-              <a:t>9/11/12</a:t>
+              <a:t>9/8/12</a:t>
             </a:fld>
             <a:endParaRPr lang="en-US"/>
           </a:p>
@@ -3892,7 +3809,13 @@
               <a:rPr lang="en-US" dirty="0" smtClean="0">
                 <a:hlinkClick r:id="rId2"/>
               </a:rPr>
-              <a:t>http://en.wikipedia.org/wiki/Workflow</a:t>
+              <a:t>http://en.wikipedia.org/wiki/</a:t>
+            </a:r>
+            <a:r>
+              <a:rPr lang="en-US" dirty="0" smtClean="0">
+                <a:hlinkClick r:id="rId2"/>
+              </a:rPr>
+              <a:t>Workflow</a:t>
             </a:r>
             <a:endParaRPr lang="en-US" dirty="0" smtClean="0"/>
           </a:p>
@@ -3921,6 +3844,7 @@
               <a:rPr lang="en-US" dirty="0" smtClean="0"/>
               <a:t>tuning/tweaking</a:t>
             </a:r>
+            <a:endParaRPr lang="en-US" dirty="0" smtClean="0"/>
           </a:p>
           <a:p>
             <a:r>
@@ -3959,6 +3883,7 @@
               <a:rPr lang="en-US" dirty="0" smtClean="0"/>
               <a:t>Sometimes called a pipeline</a:t>
             </a:r>
+            <a:endParaRPr lang="en-US" dirty="0" smtClean="0"/>
           </a:p>
         </p:txBody>
       </p:sp>
@@ -4034,7 +3959,13 @@
               <a:rPr lang="en-US" dirty="0" smtClean="0">
                 <a:hlinkClick r:id="rId2"/>
               </a:rPr>
-              <a:t>http://dx.doi.org/10.1371/journal.pcbi.1000424</a:t>
+              <a:t>http://dx.doi.org/10.1371/journal.pcbi.</a:t>
+            </a:r>
+            <a:r>
+              <a:rPr lang="en-US" dirty="0" smtClean="0">
+                <a:hlinkClick r:id="rId2"/>
+              </a:rPr>
+              <a:t>1000424</a:t>
             </a:r>
             <a:endParaRPr lang="en-US" dirty="0" smtClean="0"/>
           </a:p>
@@ -4138,7 +4069,11 @@
             <a:pPr lvl="1"/>
             <a:r>
               <a:rPr lang="en-US" dirty="0" smtClean="0"/>
-              <a:t>Place step into a script* as soon as you have defined it</a:t>
+              <a:t>P</a:t>
+            </a:r>
+            <a:r>
+              <a:rPr lang="en-US" dirty="0" smtClean="0"/>
+              <a:t>lace step into a script* as soon as you have defined it</a:t>
             </a:r>
           </a:p>
           <a:p>
@@ -4152,14 +4087,38 @@
             <a:pPr lvl="1"/>
             <a:r>
               <a:rPr lang="en-US" dirty="0" smtClean="0"/>
-              <a:t>encode logic for skipping the step when it’s output is present and up to date</a:t>
+              <a:t>encode logic for skipping</a:t>
+            </a:r>
+            <a:r>
+              <a:rPr lang="en-US" dirty="0" smtClean="0"/>
+              <a:t> the step </a:t>
+            </a:r>
+            <a:r>
+              <a:rPr lang="en-US" dirty="0" smtClean="0"/>
+              <a:t>when</a:t>
+            </a:r>
+            <a:r>
+              <a:rPr lang="en-US" dirty="0" smtClean="0"/>
+              <a:t> it’s </a:t>
+            </a:r>
+            <a:r>
+              <a:rPr lang="en-US" dirty="0" smtClean="0"/>
+              <a:t>output is present and up to date</a:t>
             </a:r>
           </a:p>
           <a:p>
             <a:pPr lvl="1"/>
             <a:r>
               <a:rPr lang="en-US" dirty="0" smtClean="0"/>
-              <a:t>run the script</a:t>
+              <a:t>run </a:t>
+            </a:r>
+            <a:r>
+              <a:rPr lang="en-US" dirty="0" smtClean="0"/>
+              <a:t>the </a:t>
+            </a:r>
+            <a:r>
+              <a:rPr lang="en-US" dirty="0" smtClean="0"/>
+              <a:t>script</a:t>
             </a:r>
           </a:p>
           <a:p>
@@ -4275,19 +4234,56 @@
             </a:pPr>
             <a:r>
               <a:rPr lang="en-US" dirty="0" smtClean="0"/>
-              <a:t>aka: Research Data Provenance</a:t>
-            </a:r>
-          </a:p>
-          <a:p>
-            <a:r>
-              <a:rPr lang="en-US" dirty="0" smtClean="0"/>
-              <a:t>Process of marshalling input data from source (internal or external) through workflow should minimize human interaction/manipulation</a:t>
-            </a:r>
-          </a:p>
-          <a:p>
-            <a:r>
-              <a:rPr lang="en-US" dirty="0" smtClean="0"/>
-              <a:t>Workflows should maximize the capture of information about data files, and analysis scripts/programs:</a:t>
+              <a:t>aka: Research </a:t>
+            </a:r>
+            <a:r>
+              <a:rPr lang="en-US" dirty="0" smtClean="0"/>
+              <a:t>Data Provenance</a:t>
+            </a:r>
+          </a:p>
+          <a:p>
+            <a:r>
+              <a:rPr lang="en-US" dirty="0" smtClean="0"/>
+              <a:t>Process of </a:t>
+            </a:r>
+            <a:r>
+              <a:rPr lang="en-US" dirty="0" smtClean="0"/>
+              <a:t>marshalling input data </a:t>
+            </a:r>
+            <a:r>
+              <a:rPr lang="en-US" dirty="0" smtClean="0"/>
+              <a:t>from source (internal or external) through</a:t>
+            </a:r>
+            <a:r>
+              <a:rPr lang="en-US" dirty="0" smtClean="0"/>
+              <a:t> workflow </a:t>
+            </a:r>
+            <a:r>
+              <a:rPr lang="en-US" dirty="0" smtClean="0"/>
+              <a:t>should minimize human interaction/manipulation</a:t>
+            </a:r>
+            <a:endParaRPr lang="en-US" dirty="0" smtClean="0"/>
+          </a:p>
+          <a:p>
+            <a:r>
+              <a:rPr lang="en-US" dirty="0" smtClean="0"/>
+              <a:t>Workflows</a:t>
+            </a:r>
+            <a:r>
+              <a:rPr lang="en-US" dirty="0" smtClean="0"/>
+              <a:t> </a:t>
+            </a:r>
+            <a:r>
+              <a:rPr lang="en-US" dirty="0" smtClean="0"/>
+              <a:t>should </a:t>
+            </a:r>
+            <a:r>
+              <a:rPr lang="en-US" dirty="0" smtClean="0"/>
+              <a:t>maximize the </a:t>
+            </a:r>
+            <a:r>
+              <a:rPr lang="en-US" dirty="0" smtClean="0"/>
+              <a:t>capture of information about data files, and analysis scripts/programs:</a:t>
             </a:r>
           </a:p>
           <a:p>
@@ -4391,7 +4387,15 @@
           <a:p>
             <a:r>
               <a:rPr lang="en-US" dirty="0" smtClean="0"/>
-              <a:t>Modification to Project Directory Structure	</a:t>
+              <a:t>Modification to Project</a:t>
+            </a:r>
+            <a:r>
+              <a:rPr lang="en-US" dirty="0" smtClean="0"/>
+              <a:t> Directory Structure</a:t>
+            </a:r>
+            <a:r>
+              <a:rPr lang="en-US" dirty="0" smtClean="0"/>
+              <a:t>	</a:t>
             </a:r>
             <a:endParaRPr lang="en-US" dirty="0"/>
           </a:p>
@@ -4430,7 +4434,11 @@
           <a:p>
             <a:r>
               <a:rPr lang="en-US" dirty="0" smtClean="0"/>
-              <a:t>Modify workflow </a:t>
+              <a:t>Modify</a:t>
+            </a:r>
+            <a:r>
+              <a:rPr lang="en-US" dirty="0" smtClean="0"/>
+              <a:t> workflow </a:t>
             </a:r>
             <a:r>
               <a:rPr lang="en-US" dirty="0" err="1" smtClean="0"/>
@@ -4445,14 +4453,42 @@
             <a:pPr lvl="1"/>
             <a:r>
               <a:rPr lang="en-US" dirty="0" smtClean="0"/>
-              <a:t>redirect STDOUT and STDERR to files in chronological subdirectory within log directory, named for the script and its unique process id (PID)</a:t>
+              <a:t>redirect STDOUT and STDERR to files </a:t>
+            </a:r>
+            <a:r>
+              <a:rPr lang="en-US" dirty="0" smtClean="0"/>
+              <a:t>in chronological subdirectory within </a:t>
+            </a:r>
+            <a:r>
+              <a:rPr lang="en-US" dirty="0" smtClean="0"/>
+              <a:t>log </a:t>
+            </a:r>
+            <a:r>
+              <a:rPr lang="en-US" dirty="0" smtClean="0"/>
+              <a:t>directory, </a:t>
+            </a:r>
+            <a:r>
+              <a:rPr lang="en-US" dirty="0" smtClean="0"/>
+              <a:t>named for the </a:t>
+            </a:r>
+            <a:r>
+              <a:rPr lang="en-US" dirty="0" smtClean="0"/>
+              <a:t>script and its unique process id (PID)</a:t>
             </a:r>
           </a:p>
           <a:p>
             <a:pPr lvl="1"/>
             <a:r>
               <a:rPr lang="en-US" dirty="0" smtClean="0"/>
-              <a:t>print date, start time, end time to STDOUT log </a:t>
+              <a:t>print date, start time, end time, and even</a:t>
+            </a:r>
+            <a:r>
+              <a:rPr lang="en-US" dirty="0" smtClean="0"/>
+              <a:t> total </a:t>
+            </a:r>
+            <a:r>
+              <a:rPr lang="en-US" dirty="0" smtClean="0"/>
+              <a:t>run time to STDOUT log </a:t>
             </a:r>
           </a:p>
           <a:p>
@@ -4467,7 +4503,15 @@
             </a:r>
             <a:r>
               <a:rPr lang="en-US" dirty="0" smtClean="0"/>
-              <a:t> and version** of themselves in STDOUT log</a:t>
+              <a:t> and </a:t>
+            </a:r>
+            <a:r>
+              <a:rPr lang="en-US" dirty="0" smtClean="0"/>
+              <a:t>version** </a:t>
+            </a:r>
+            <a:r>
+              <a:rPr lang="en-US" dirty="0" smtClean="0"/>
+              <a:t>of themselves in STDOUT log</a:t>
             </a:r>
           </a:p>
           <a:p>
@@ -4549,8 +4593,9 @@
             </a:r>
             <a:r>
               <a:rPr lang="en-US" dirty="0" smtClean="0"/>
-              <a:t> add/commit all new result files, all previously committed result files removed from the repository itself, and the STDOUT log file immediately before exiting</a:t>
-            </a:r>
+              <a:t> add/commit all new files, all deleted files, and the STDOUT log file immediately before exiting</a:t>
+            </a:r>
+            <a:endParaRPr lang="en-US" dirty="0" smtClean="0"/>
           </a:p>
           <a:p>
             <a:r>
@@ -4586,7 +4631,11 @@
             </a:r>
             <a:r>
               <a:rPr lang="en-US" dirty="0" smtClean="0"/>
-              <a:t> log/090212/foo.log path/to/files)</a:t>
+              <a:t> log/090212/foo.log path/to/files</a:t>
+            </a:r>
+            <a:r>
+              <a:rPr lang="en-US" dirty="0" smtClean="0"/>
+              <a:t>)</a:t>
             </a:r>
           </a:p>
           <a:p>
@@ -4606,7 +4655,15 @@
             </a:pPr>
             <a:r>
               <a:rPr lang="en-US" dirty="0" smtClean="0"/>
-              <a:t>* these activities make up the data footprint of an analysis</a:t>
+              <a:t>* these </a:t>
+            </a:r>
+            <a:r>
+              <a:rPr lang="en-US" dirty="0" smtClean="0"/>
+              <a:t>activities make up the data footprint of an </a:t>
+            </a:r>
+            <a:r>
+              <a:rPr lang="en-US" dirty="0" smtClean="0"/>
+              <a:t>analysis</a:t>
             </a:r>
           </a:p>
           <a:p>
@@ -4716,135 +4773,6 @@
               <a:buNone/>
             </a:pPr>
             <a:endParaRPr lang="en-US" dirty="0"/>
-          </a:p>
-        </p:txBody>
-      </p:sp>
-    </p:spTree>
-  </p:cSld>
-  <p:clrMapOvr>
-    <a:masterClrMapping/>
-  </p:clrMapOvr>
-</p:sld>
-</file>
-
-<file path=ppt/slides/slide8.xml><?xml version="1.0" encoding="utf-8"?>
-<p:sld xmlns:a="http://schemas.openxmlformats.org/drawingml/2006/main" xmlns:r="http://schemas.openxmlformats.org/officeDocument/2006/relationships" xmlns:mc="http://schemas.openxmlformats.org/markup-compatibility/2006" xmlns:mv="urn:schemas-microsoft-com:mac:vml" xmlns:p="http://schemas.openxmlformats.org/presentationml/2006/main" mc:Ignorable="mv" mc:PreserveAttributes="mv:*">
-  <p:cSld>
-    <p:spTree>
-      <p:nvGrpSpPr>
-        <p:cNvPr id="1" name=""/>
-        <p:cNvGrpSpPr/>
-        <p:nvPr/>
-      </p:nvGrpSpPr>
-      <p:grpSpPr>
-        <a:xfrm>
-          <a:off x="0" y="0"/>
-          <a:ext cx="0" cy="0"/>
-          <a:chOff x="0" y="0"/>
-          <a:chExt cx="0" cy="0"/>
-        </a:xfrm>
-      </p:grpSpPr>
-      <p:sp>
-        <p:nvSpPr>
-          <p:cNvPr id="2" name="Title 1"/>
-          <p:cNvSpPr>
-            <a:spLocks noGrp="1"/>
-          </p:cNvSpPr>
-          <p:nvPr>
-            <p:ph type="title"/>
-          </p:nvPr>
-        </p:nvSpPr>
-        <p:spPr/>
-        <p:txBody>
-          <a:bodyPr/>
-          <a:lstStyle/>
-          <a:p>
-            <a:r>
-              <a:rPr lang="en-US" dirty="0" smtClean="0"/>
-              <a:t>Answer</a:t>
-            </a:r>
-            <a:endParaRPr lang="en-US" dirty="0"/>
-          </a:p>
-        </p:txBody>
-      </p:sp>
-      <p:sp>
-        <p:nvSpPr>
-          <p:cNvPr id="3" name="Content Placeholder 2"/>
-          <p:cNvSpPr>
-            <a:spLocks noGrp="1"/>
-          </p:cNvSpPr>
-          <p:nvPr>
-            <p:ph idx="1"/>
-          </p:nvPr>
-        </p:nvSpPr>
-        <p:spPr/>
-        <p:txBody>
-          <a:bodyPr/>
-          <a:lstStyle/>
-          <a:p>
-            <a:r>
-              <a:rPr lang="en-US" dirty="0" err="1" smtClean="0"/>
-              <a:t>git</a:t>
-            </a:r>
-            <a:r>
-              <a:rPr lang="en-US" dirty="0" smtClean="0"/>
-              <a:t> checkout –</a:t>
-            </a:r>
-            <a:r>
-              <a:rPr lang="en-US" dirty="0" err="1" smtClean="0"/>
-              <a:t>b</a:t>
-            </a:r>
-            <a:r>
-              <a:rPr lang="en-US" dirty="0" smtClean="0"/>
-              <a:t> answers_d3s1 origin/answers_d3s1</a:t>
-            </a:r>
-          </a:p>
-          <a:p>
-            <a:r>
-              <a:rPr lang="en-US" dirty="0" smtClean="0"/>
-              <a:t>edit </a:t>
-            </a:r>
-            <a:r>
-              <a:rPr lang="en-US" dirty="0" err="1" smtClean="0"/>
-              <a:t>src/Plasmodium.sh</a:t>
-            </a:r>
-            <a:endParaRPr lang="en-US" dirty="0" smtClean="0"/>
-          </a:p>
-          <a:p>
-            <a:r>
-              <a:rPr lang="en-US" dirty="0" smtClean="0"/>
-              <a:t>edit/run </a:t>
-            </a:r>
-            <a:r>
-              <a:rPr lang="en-US" dirty="0" err="1" smtClean="0"/>
-              <a:t>src/</a:t>
-            </a:r>
-            <a:r>
-              <a:rPr lang="en-US" dirty="0" err="1" smtClean="0"/>
-              <a:t>Plasmodium_wrapper.sh</a:t>
-            </a:r>
-            <a:endParaRPr lang="en-US" dirty="0" smtClean="0"/>
-          </a:p>
-          <a:p>
-            <a:r>
-              <a:rPr lang="en-US" dirty="0" smtClean="0"/>
-              <a:t>examine the log and results directories </a:t>
-            </a:r>
-            <a:r>
-              <a:rPr lang="en-US" smtClean="0"/>
-              <a:t>and subdirectories</a:t>
-            </a:r>
-            <a:endParaRPr lang="en-US" smtClean="0"/>
-          </a:p>
-          <a:p>
-            <a:r>
-              <a:rPr lang="en-US" dirty="0" err="1" smtClean="0"/>
-              <a:t>git</a:t>
-            </a:r>
-            <a:r>
-              <a:rPr lang="en-US" dirty="0" smtClean="0"/>
-              <a:t> checkout master</a:t>
-            </a:r>
           </a:p>
         </p:txBody>
       </p:sp>
